--- a/RepCut/RepCut.pptx
+++ b/RepCut/RepCut.pptx
@@ -5,7 +5,7 @@
     <p:sldMasterId id="2147483660" r:id="rId1"/>
   </p:sldMasterIdLst>
   <p:notesMasterIdLst>
-    <p:notesMasterId r:id="rId16"/>
+    <p:notesMasterId r:id="rId17"/>
   </p:notesMasterIdLst>
   <p:sldIdLst>
     <p:sldId id="264" r:id="rId2"/>
@@ -15,13 +15,14 @@
     <p:sldId id="269" r:id="rId6"/>
     <p:sldId id="270" r:id="rId7"/>
     <p:sldId id="271" r:id="rId8"/>
-    <p:sldId id="257" r:id="rId9"/>
-    <p:sldId id="260" r:id="rId10"/>
-    <p:sldId id="261" r:id="rId11"/>
-    <p:sldId id="258" r:id="rId12"/>
-    <p:sldId id="259" r:id="rId13"/>
-    <p:sldId id="262" r:id="rId14"/>
-    <p:sldId id="267" r:id="rId15"/>
+    <p:sldId id="272" r:id="rId9"/>
+    <p:sldId id="257" r:id="rId10"/>
+    <p:sldId id="260" r:id="rId11"/>
+    <p:sldId id="261" r:id="rId12"/>
+    <p:sldId id="258" r:id="rId13"/>
+    <p:sldId id="259" r:id="rId14"/>
+    <p:sldId id="262" r:id="rId15"/>
+    <p:sldId id="267" r:id="rId16"/>
   </p:sldIdLst>
   <p:sldSz cx="12192000" cy="6858000"/>
   <p:notesSz cx="6858000" cy="9144000"/>
@@ -8861,7 +8862,7 @@
     </p:spTree>
     <p:extLst>
       <p:ext uri="{BB962C8B-B14F-4D97-AF65-F5344CB8AC3E}">
-        <p14:creationId xmlns:p14="http://schemas.microsoft.com/office/powerpoint/2010/main" val="3504938725"/>
+        <p14:creationId xmlns:p14="http://schemas.microsoft.com/office/powerpoint/2010/main" val="3979081959"/>
       </p:ext>
     </p:extLst>
   </p:cSld>
@@ -8945,7 +8946,7 @@
     </p:spTree>
     <p:extLst>
       <p:ext uri="{BB962C8B-B14F-4D97-AF65-F5344CB8AC3E}">
-        <p14:creationId xmlns:p14="http://schemas.microsoft.com/office/powerpoint/2010/main" val="1458531031"/>
+        <p14:creationId xmlns:p14="http://schemas.microsoft.com/office/powerpoint/2010/main" val="3504938725"/>
       </p:ext>
     </p:extLst>
   </p:cSld>
@@ -9029,7 +9030,7 @@
     </p:spTree>
     <p:extLst>
       <p:ext uri="{BB962C8B-B14F-4D97-AF65-F5344CB8AC3E}">
-        <p14:creationId xmlns:p14="http://schemas.microsoft.com/office/powerpoint/2010/main" val="2226854007"/>
+        <p14:creationId xmlns:p14="http://schemas.microsoft.com/office/powerpoint/2010/main" val="1458531031"/>
       </p:ext>
     </p:extLst>
   </p:cSld>
@@ -9113,7 +9114,7 @@
     </p:spTree>
     <p:extLst>
       <p:ext uri="{BB962C8B-B14F-4D97-AF65-F5344CB8AC3E}">
-        <p14:creationId xmlns:p14="http://schemas.microsoft.com/office/powerpoint/2010/main" val="207591924"/>
+        <p14:creationId xmlns:p14="http://schemas.microsoft.com/office/powerpoint/2010/main" val="2226854007"/>
       </p:ext>
     </p:extLst>
   </p:cSld>
@@ -9189,6 +9190,90 @@
             <a:fld id="{58151AFC-CD2E-5241-A5F6-3092FE7745F8}" type="slidenum">
               <a:rPr lang="en-US" smtClean="0"/>
               <a:t>14</a:t>
+            </a:fld>
+            <a:endParaRPr lang="en-US"/>
+          </a:p>
+        </p:txBody>
+      </p:sp>
+    </p:spTree>
+    <p:extLst>
+      <p:ext uri="{BB962C8B-B14F-4D97-AF65-F5344CB8AC3E}">
+        <p14:creationId xmlns:p14="http://schemas.microsoft.com/office/powerpoint/2010/main" val="207591924"/>
+      </p:ext>
+    </p:extLst>
+  </p:cSld>
+  <p:clrMapOvr>
+    <a:masterClrMapping/>
+  </p:clrMapOvr>
+</p:notes>
+</file>
+
+<file path=ppt/notesSlides/notesSlide15.xml><?xml version="1.0" encoding="utf-8"?>
+<p:notes xmlns:a="http://schemas.openxmlformats.org/drawingml/2006/main" xmlns:r="http://schemas.openxmlformats.org/officeDocument/2006/relationships" xmlns:p="http://schemas.openxmlformats.org/presentationml/2006/main">
+  <p:cSld>
+    <p:spTree>
+      <p:nvGrpSpPr>
+        <p:cNvPr id="1" name=""/>
+        <p:cNvGrpSpPr/>
+        <p:nvPr/>
+      </p:nvGrpSpPr>
+      <p:grpSpPr>
+        <a:xfrm>
+          <a:off x="0" y="0"/>
+          <a:ext cx="0" cy="0"/>
+          <a:chOff x="0" y="0"/>
+          <a:chExt cx="0" cy="0"/>
+        </a:xfrm>
+      </p:grpSpPr>
+      <p:sp>
+        <p:nvSpPr>
+          <p:cNvPr id="2" name="Slide Image Placeholder 1"/>
+          <p:cNvSpPr>
+            <a:spLocks noGrp="1" noRot="1" noChangeAspect="1"/>
+          </p:cNvSpPr>
+          <p:nvPr>
+            <p:ph type="sldImg"/>
+          </p:nvPr>
+        </p:nvSpPr>
+        <p:spPr/>
+      </p:sp>
+      <p:sp>
+        <p:nvSpPr>
+          <p:cNvPr id="3" name="Notes Placeholder 2"/>
+          <p:cNvSpPr>
+            <a:spLocks noGrp="1"/>
+          </p:cNvSpPr>
+          <p:nvPr>
+            <p:ph type="body" idx="1"/>
+          </p:nvPr>
+        </p:nvSpPr>
+        <p:spPr/>
+        <p:txBody>
+          <a:bodyPr/>
+          <a:lstStyle/>
+          <a:p>
+            <a:endParaRPr lang="en-US" dirty="0"/>
+          </a:p>
+        </p:txBody>
+      </p:sp>
+      <p:sp>
+        <p:nvSpPr>
+          <p:cNvPr id="4" name="Slide Number Placeholder 3"/>
+          <p:cNvSpPr>
+            <a:spLocks noGrp="1"/>
+          </p:cNvSpPr>
+          <p:nvPr>
+            <p:ph type="sldNum" sz="quarter" idx="5"/>
+          </p:nvPr>
+        </p:nvSpPr>
+        <p:spPr/>
+        <p:txBody>
+          <a:bodyPr/>
+          <a:lstStyle/>
+          <a:p>
+            <a:fld id="{58151AFC-CD2E-5241-A5F6-3092FE7745F8}" type="slidenum">
+              <a:rPr lang="en-US" smtClean="0"/>
+              <a:t>15</a:t>
             </a:fld>
             <a:endParaRPr lang="en-US"/>
           </a:p>
@@ -9842,6 +9927,178 @@
             </a:r>
           </a:p>
           <a:p>
+            <a:r>
+              <a:rPr lang="en-US" dirty="0"/>
+              <a:t>To understand the challenges for partitioning here, let me first bring up our goal here for the partitioning.</a:t>
+            </a:r>
+          </a:p>
+          <a:p>
+            <a:r>
+              <a:rPr lang="en-US" dirty="0"/>
+              <a:t>Ideally, we want our partitions to be balanced and by balanced I mean the number of tasks within a partition should be roughly the same.</a:t>
+            </a:r>
+          </a:p>
+          <a:p>
+            <a:r>
+              <a:rPr lang="en-US" dirty="0"/>
+              <a:t>And we want to have minimal synchronization effort within a simulation cycle. Ultimately, all the threads should only synchronize once at the end of the simulation cycle.</a:t>
+            </a:r>
+          </a:p>
+          <a:p>
+            <a:r>
+              <a:rPr lang="en-US" dirty="0"/>
+              <a:t>Now, let’s look into the 4 figures here to understand why we want such a goal for partitioning.</a:t>
+            </a:r>
+          </a:p>
+          <a:p>
+            <a:r>
+              <a:rPr lang="en-US" dirty="0"/>
+              <a:t>In this figures, figures A and C shows the same TDG but they are applied with different partitioning methods. </a:t>
+            </a:r>
+          </a:p>
+          <a:p>
+            <a:r>
+              <a:rPr lang="en-US" dirty="0"/>
+              <a:t>Figure A shows the partitioning method in the baseline </a:t>
+            </a:r>
+            <a:r>
+              <a:rPr lang="en-US" dirty="0" err="1"/>
+              <a:t>Verilator</a:t>
+            </a:r>
+            <a:r>
+              <a:rPr lang="en-US" dirty="0"/>
+              <a:t> and figure C shows the partitioning method introduced by </a:t>
+            </a:r>
+            <a:r>
+              <a:rPr lang="en-US" dirty="0" err="1"/>
+              <a:t>RepCut</a:t>
+            </a:r>
+            <a:r>
+              <a:rPr lang="en-US" dirty="0"/>
+              <a:t>.</a:t>
+            </a:r>
+          </a:p>
+          <a:p>
+            <a:r>
+              <a:rPr lang="en-US" dirty="0"/>
+              <a:t>Figure B and D shows the scheduling, or the distributions, as I mentioned in the last slides, of partitions to the threads for </a:t>
+            </a:r>
+            <a:r>
+              <a:rPr lang="en-US" dirty="0" err="1"/>
+              <a:t>Verilator</a:t>
+            </a:r>
+            <a:r>
+              <a:rPr lang="en-US" dirty="0"/>
+              <a:t> partitioning and </a:t>
+            </a:r>
+            <a:r>
+              <a:rPr lang="en-US" dirty="0" err="1"/>
+              <a:t>RepCut</a:t>
+            </a:r>
+            <a:r>
+              <a:rPr lang="en-US" dirty="0"/>
+              <a:t> partitioning accordingly.</a:t>
+            </a:r>
+          </a:p>
+          <a:p>
+            <a:r>
+              <a:rPr lang="en-US" dirty="0"/>
+              <a:t>The impact of these 2 different partitioning methods to the runtime of RTL simulations is quite obvious here in this example.</a:t>
+            </a:r>
+          </a:p>
+          <a:p>
+            <a:r>
+              <a:rPr lang="en-US" dirty="0"/>
+              <a:t>Figure B shows that if we apply </a:t>
+            </a:r>
+            <a:r>
+              <a:rPr lang="en-US" dirty="0" err="1"/>
+              <a:t>Verilator</a:t>
+            </a:r>
+            <a:r>
+              <a:rPr lang="en-US" dirty="0"/>
+              <a:t> partitioning in this example, threads will need to synchronize 3 times. </a:t>
+            </a:r>
+          </a:p>
+          <a:p>
+            <a:r>
+              <a:rPr lang="en-US" dirty="0"/>
+              <a:t>Meanwhile Figure D tells us if we apply </a:t>
+            </a:r>
+            <a:r>
+              <a:rPr lang="en-US" dirty="0" err="1"/>
+              <a:t>RepCut</a:t>
+            </a:r>
+            <a:r>
+              <a:rPr lang="en-US" dirty="0"/>
+              <a:t> partitioning, we are not only able to synchronize only once but also able to finish one simulation cycle faster.</a:t>
+            </a:r>
+          </a:p>
+          <a:p>
+            <a:r>
+              <a:rPr lang="en-US" dirty="0"/>
+              <a:t>Also, comparing figure B and D, we can clearly see that </a:t>
+            </a:r>
+            <a:r>
+              <a:rPr lang="en-US" dirty="0" err="1"/>
+              <a:t>Verilator</a:t>
+            </a:r>
+            <a:r>
+              <a:rPr lang="en-US" dirty="0"/>
+              <a:t> provides a very unbalanced partitioning results which cause the threads being idling, the so-called bubbles in simulation process.</a:t>
+            </a:r>
+          </a:p>
+          <a:p>
+            <a:r>
+              <a:rPr lang="en-US" dirty="0"/>
+              <a:t>While </a:t>
+            </a:r>
+            <a:r>
+              <a:rPr lang="en-US" dirty="0" err="1"/>
+              <a:t>RepCut</a:t>
+            </a:r>
+            <a:r>
+              <a:rPr lang="en-US" dirty="0"/>
+              <a:t> provides a perfectly balanced partitioning results with all the threads running the entire time within the simulation cycle.</a:t>
+            </a:r>
+          </a:p>
+          <a:p>
+            <a:r>
+              <a:rPr lang="en-US" dirty="0"/>
+              <a:t>So what’s the magic </a:t>
+            </a:r>
+            <a:r>
+              <a:rPr lang="en-US" dirty="0" err="1"/>
+              <a:t>RepCut</a:t>
+            </a:r>
+            <a:r>
+              <a:rPr lang="en-US" dirty="0"/>
+              <a:t> is doing here? In figure C, </a:t>
+            </a:r>
+            <a:r>
+              <a:rPr lang="en-US" dirty="0" err="1"/>
+              <a:t>RepCut</a:t>
+            </a:r>
+            <a:r>
+              <a:rPr lang="en-US" dirty="0"/>
+              <a:t> is replicating the overlapping tasks </a:t>
+            </a:r>
+            <a:r>
+              <a:rPr lang="en-US" dirty="0" err="1"/>
+              <a:t>bewteen</a:t>
+            </a:r>
+            <a:r>
+              <a:rPr lang="en-US" dirty="0"/>
+              <a:t> partition 1 and partition 2 so that when they are being executed by the threads, they don’t have </a:t>
+            </a:r>
+          </a:p>
+          <a:p>
+            <a:r>
+              <a:rPr lang="en-US" dirty="0"/>
+              <a:t>to wait for each other but only need to synchronize once at the end of the simulation cycle. </a:t>
+            </a:r>
+          </a:p>
+          <a:p>
             <a:endParaRPr lang="en-US" dirty="0"/>
           </a:p>
           <a:p>
@@ -9929,7 +10186,23 @@
           <a:bodyPr/>
           <a:lstStyle/>
           <a:p>
-            <a:endParaRPr lang="en-US"/>
+            <a:r>
+              <a:rPr lang="en-US" dirty="0"/>
+              <a:t>And in the remaining slides, I will reveal </a:t>
+            </a:r>
+            <a:r>
+              <a:rPr lang="en-US" dirty="0" err="1"/>
+              <a:t>RepCut’s</a:t>
+            </a:r>
+            <a:r>
+              <a:rPr lang="en-US" dirty="0"/>
+              <a:t> magic on how it performs its partitioning by walking through an </a:t>
+            </a:r>
+            <a:r>
+              <a:rPr lang="en-US"/>
+              <a:t>example in the paper.</a:t>
+            </a:r>
+            <a:endParaRPr lang="en-US" dirty="0"/>
           </a:p>
         </p:txBody>
       </p:sp>
@@ -9959,7 +10232,7 @@
     </p:spTree>
     <p:extLst>
       <p:ext uri="{BB962C8B-B14F-4D97-AF65-F5344CB8AC3E}">
-        <p14:creationId xmlns:p14="http://schemas.microsoft.com/office/powerpoint/2010/main" val="1740750286"/>
+        <p14:creationId xmlns:p14="http://schemas.microsoft.com/office/powerpoint/2010/main" val="3702333234"/>
       </p:ext>
     </p:extLst>
   </p:cSld>
@@ -10043,7 +10316,7 @@
     </p:spTree>
     <p:extLst>
       <p:ext uri="{BB962C8B-B14F-4D97-AF65-F5344CB8AC3E}">
-        <p14:creationId xmlns:p14="http://schemas.microsoft.com/office/powerpoint/2010/main" val="3979081959"/>
+        <p14:creationId xmlns:p14="http://schemas.microsoft.com/office/powerpoint/2010/main" val="1740750286"/>
       </p:ext>
     </p:extLst>
   </p:cSld>
@@ -12932,6 +13205,92 @@
           <p:cNvPr id="5" name="Title 4">
             <a:extLst>
               <a:ext uri="{FF2B5EF4-FFF2-40B4-BE49-F238E27FC236}">
+                <a16:creationId xmlns:a16="http://schemas.microsoft.com/office/drawing/2014/main" id="{D3A56F95-D18D-372D-13EF-CA07355908C5}"/>
+              </a:ext>
+            </a:extLst>
+          </p:cNvPr>
+          <p:cNvSpPr>
+            <a:spLocks noGrp="1"/>
+          </p:cNvSpPr>
+          <p:nvPr>
+            <p:ph type="title"/>
+          </p:nvPr>
+        </p:nvSpPr>
+        <p:spPr/>
+        <p:txBody>
+          <a:bodyPr/>
+          <a:lstStyle/>
+          <a:p>
+            <a:endParaRPr lang="en-US"/>
+          </a:p>
+        </p:txBody>
+      </p:sp>
+      <p:graphicFrame>
+        <p:nvGraphicFramePr>
+          <p:cNvPr id="4" name="Chart Placeholder 3" descr="Simple vertical bar chart example">
+            <a:extLst>
+              <a:ext uri="{FF2B5EF4-FFF2-40B4-BE49-F238E27FC236}">
+                <a16:creationId xmlns:a16="http://schemas.microsoft.com/office/drawing/2014/main" id="{526E1E11-14EC-9F4A-8927-84E1572F7B82}"/>
+              </a:ext>
+            </a:extLst>
+          </p:cNvPr>
+          <p:cNvGraphicFramePr>
+            <a:graphicFrameLocks noGrp="1"/>
+          </p:cNvGraphicFramePr>
+          <p:nvPr>
+            <p:ph type="chart" sz="quarter" idx="13"/>
+            <p:extLst>
+              <p:ext uri="{D42A27DB-BD31-4B8C-83A1-F6EECF244321}">
+                <p14:modId xmlns:p14="http://schemas.microsoft.com/office/powerpoint/2010/main" val="2430234678"/>
+              </p:ext>
+            </p:extLst>
+          </p:nvPr>
+        </p:nvGraphicFramePr>
+        <p:xfrm>
+          <a:off x="1883227" y="1676871"/>
+          <a:ext cx="7747661" cy="4359275"/>
+        </p:xfrm>
+        <a:graphic>
+          <a:graphicData uri="http://schemas.openxmlformats.org/drawingml/2006/chart">
+            <c:chart xmlns:c="http://schemas.openxmlformats.org/drawingml/2006/chart" xmlns:r="http://schemas.openxmlformats.org/officeDocument/2006/relationships" r:id="rId3"/>
+          </a:graphicData>
+        </a:graphic>
+      </p:graphicFrame>
+    </p:spTree>
+    <p:extLst>
+      <p:ext uri="{BB962C8B-B14F-4D97-AF65-F5344CB8AC3E}">
+        <p14:creationId xmlns:p14="http://schemas.microsoft.com/office/powerpoint/2010/main" val="857588750"/>
+      </p:ext>
+    </p:extLst>
+  </p:cSld>
+  <p:clrMapOvr>
+    <a:masterClrMapping/>
+  </p:clrMapOvr>
+</p:sld>
+</file>
+
+<file path=ppt/slides/slide11.xml><?xml version="1.0" encoding="utf-8"?>
+<p:sld xmlns:a="http://schemas.openxmlformats.org/drawingml/2006/main" xmlns:r="http://schemas.openxmlformats.org/officeDocument/2006/relationships" xmlns:p="http://schemas.openxmlformats.org/presentationml/2006/main">
+  <p:cSld>
+    <p:spTree>
+      <p:nvGrpSpPr>
+        <p:cNvPr id="1" name=""/>
+        <p:cNvGrpSpPr/>
+        <p:nvPr/>
+      </p:nvGrpSpPr>
+      <p:grpSpPr>
+        <a:xfrm>
+          <a:off x="0" y="0"/>
+          <a:ext cx="0" cy="0"/>
+          <a:chOff x="0" y="0"/>
+          <a:chExt cx="0" cy="0"/>
+        </a:xfrm>
+      </p:grpSpPr>
+      <p:sp>
+        <p:nvSpPr>
+          <p:cNvPr id="5" name="Title 4">
+            <a:extLst>
+              <a:ext uri="{FF2B5EF4-FFF2-40B4-BE49-F238E27FC236}">
                 <a16:creationId xmlns:a16="http://schemas.microsoft.com/office/drawing/2014/main" id="{34F5553C-03AC-AF18-24C2-08E7A455283A}"/>
               </a:ext>
             </a:extLst>
@@ -12996,7 +13355,7 @@
 </p:sld>
 </file>
 
-<file path=ppt/slides/slide11.xml><?xml version="1.0" encoding="utf-8"?>
+<file path=ppt/slides/slide12.xml><?xml version="1.0" encoding="utf-8"?>
 <p:sld xmlns:a="http://schemas.openxmlformats.org/drawingml/2006/main" xmlns:r="http://schemas.openxmlformats.org/officeDocument/2006/relationships" xmlns:p="http://schemas.openxmlformats.org/presentationml/2006/main">
   <p:cSld>
     <p:spTree>
@@ -13082,7 +13441,7 @@
 </p:sld>
 </file>
 
-<file path=ppt/slides/slide12.xml><?xml version="1.0" encoding="utf-8"?>
+<file path=ppt/slides/slide13.xml><?xml version="1.0" encoding="utf-8"?>
 <p:sld xmlns:a="http://schemas.openxmlformats.org/drawingml/2006/main" xmlns:r="http://schemas.openxmlformats.org/officeDocument/2006/relationships" xmlns:p="http://schemas.openxmlformats.org/presentationml/2006/main">
   <p:cSld>
     <p:spTree>
@@ -13168,7 +13527,7 @@
 </p:sld>
 </file>
 
-<file path=ppt/slides/slide13.xml><?xml version="1.0" encoding="utf-8"?>
+<file path=ppt/slides/slide14.xml><?xml version="1.0" encoding="utf-8"?>
 <p:sld xmlns:a="http://schemas.openxmlformats.org/drawingml/2006/main" xmlns:r="http://schemas.openxmlformats.org/officeDocument/2006/relationships" xmlns:p="http://schemas.openxmlformats.org/presentationml/2006/main">
   <p:cSld>
     <p:spTree>
@@ -15252,7 +15611,7 @@
 </p:sld>
 </file>
 
-<file path=ppt/slides/slide14.xml><?xml version="1.0" encoding="utf-8"?>
+<file path=ppt/slides/slide15.xml><?xml version="1.0" encoding="utf-8"?>
 <p:sld xmlns:a="http://schemas.openxmlformats.org/drawingml/2006/main" xmlns:r="http://schemas.openxmlformats.org/officeDocument/2006/relationships" xmlns:p="http://schemas.openxmlformats.org/presentationml/2006/main">
   <p:cSld>
     <p:spTree>
@@ -16326,8 +16685,8 @@
           </a:p>
         </p:txBody>
       </p:sp>
-      <mc:AlternateContent xmlns:mc="http://schemas.openxmlformats.org/markup-compatibility/2006">
-        <mc:Choice xmlns:a14="http://schemas.microsoft.com/office/drawing/2010/main" Requires="a14">
+      <mc:AlternateContent xmlns:mc="http://schemas.openxmlformats.org/markup-compatibility/2006" xmlns:a14="http://schemas.microsoft.com/office/drawing/2010/main">
+        <mc:Choice Requires="a14">
           <p:sp>
             <p:nvSpPr>
               <p:cNvPr id="3" name="Content Placeholder 2">
@@ -16558,7 +16917,7 @@
             </p:txBody>
           </p:sp>
         </mc:Choice>
-        <mc:Fallback>
+        <mc:Fallback xmlns="">
           <p:sp>
             <p:nvSpPr>
               <p:cNvPr id="3" name="Content Placeholder 2">
@@ -16690,26 +17049,44 @@
           <a:lstStyle/>
           <a:p>
             <a:r>
+              <a:rPr lang="en-US" dirty="0">
+                <a:latin typeface="Times New Roman" panose="02020603050405020304" pitchFamily="18" charset="0"/>
+                <a:cs typeface="Times New Roman" panose="02020603050405020304" pitchFamily="18" charset="0"/>
+              </a:rPr>
+              <a:t>Goal:</a:t>
+            </a:r>
+            <a:r>
               <a:rPr lang="en-US" b="1" dirty="0">
                 <a:latin typeface="Times New Roman" panose="02020603050405020304" pitchFamily="18" charset="0"/>
                 <a:cs typeface="Times New Roman" panose="02020603050405020304" pitchFamily="18" charset="0"/>
               </a:rPr>
-              <a:t>Balanced</a:t>
+              <a:t> Balanced partitions </a:t>
             </a:r>
             <a:r>
               <a:rPr lang="en-US" dirty="0">
                 <a:latin typeface="Times New Roman" panose="02020603050405020304" pitchFamily="18" charset="0"/>
                 <a:cs typeface="Times New Roman" panose="02020603050405020304" pitchFamily="18" charset="0"/>
               </a:rPr>
-              <a:t> and </a:t>
+              <a:t>and </a:t>
             </a:r>
             <a:r>
               <a:rPr lang="en-US" b="1" dirty="0">
                 <a:latin typeface="Times New Roman" panose="02020603050405020304" pitchFamily="18" charset="0"/>
                 <a:cs typeface="Times New Roman" panose="02020603050405020304" pitchFamily="18" charset="0"/>
               </a:rPr>
-              <a:t>minimal inter-communication</a:t>
-            </a:r>
+              <a:t>minimal synchronization effort</a:t>
+            </a:r>
+            <a:r>
+              <a:rPr lang="en-US" dirty="0">
+                <a:latin typeface="Times New Roman" panose="02020603050405020304" pitchFamily="18" charset="0"/>
+                <a:cs typeface="Times New Roman" panose="02020603050405020304" pitchFamily="18" charset="0"/>
+              </a:rPr>
+              <a:t>.</a:t>
+            </a:r>
+            <a:endParaRPr lang="en-US" b="1" dirty="0">
+              <a:latin typeface="Times New Roman" panose="02020603050405020304" pitchFamily="18" charset="0"/>
+              <a:cs typeface="Times New Roman" panose="02020603050405020304" pitchFamily="18" charset="0"/>
+            </a:endParaRPr>
           </a:p>
           <a:p>
             <a:endParaRPr lang="en-US" dirty="0">
@@ -16719,6 +17096,1042 @@
           </a:p>
         </p:txBody>
       </p:sp>
+      <p:pic>
+        <p:nvPicPr>
+          <p:cNvPr id="4" name="Picture 3" descr="A diagram of different types of threads&#10;&#10;Description automatically generated">
+            <a:extLst>
+              <a:ext uri="{FF2B5EF4-FFF2-40B4-BE49-F238E27FC236}">
+                <a16:creationId xmlns:a16="http://schemas.microsoft.com/office/drawing/2014/main" id="{740631B0-4BED-D867-B2E7-E0366C96580E}"/>
+              </a:ext>
+            </a:extLst>
+          </p:cNvPr>
+          <p:cNvPicPr>
+            <a:picLocks noChangeAspect="1"/>
+          </p:cNvPicPr>
+          <p:nvPr/>
+        </p:nvPicPr>
+        <p:blipFill>
+          <a:blip r:embed="rId3"/>
+          <a:stretch>
+            <a:fillRect/>
+          </a:stretch>
+        </p:blipFill>
+        <p:spPr>
+          <a:xfrm>
+            <a:off x="1975765" y="2260626"/>
+            <a:ext cx="6792669" cy="4254519"/>
+          </a:xfrm>
+          <a:prstGeom prst="rect">
+            <a:avLst/>
+          </a:prstGeom>
+        </p:spPr>
+      </p:pic>
+      <p:cxnSp>
+        <p:nvCxnSpPr>
+          <p:cNvPr id="10" name="Straight Connector 9">
+            <a:extLst>
+              <a:ext uri="{FF2B5EF4-FFF2-40B4-BE49-F238E27FC236}">
+                <a16:creationId xmlns:a16="http://schemas.microsoft.com/office/drawing/2014/main" id="{192C1AAC-04B0-F3F2-E9D2-2A23D42E7916}"/>
+              </a:ext>
+            </a:extLst>
+          </p:cNvPr>
+          <p:cNvCxnSpPr/>
+          <p:nvPr/>
+        </p:nvCxnSpPr>
+        <p:spPr>
+          <a:xfrm>
+            <a:off x="6202017" y="2270565"/>
+            <a:ext cx="0" cy="1575878"/>
+          </a:xfrm>
+          <a:prstGeom prst="line">
+            <a:avLst/>
+          </a:prstGeom>
+          <a:ln w="25400">
+            <a:prstDash val="dash"/>
+          </a:ln>
+        </p:spPr>
+        <p:style>
+          <a:lnRef idx="1">
+            <a:schemeClr val="accent1"/>
+          </a:lnRef>
+          <a:fillRef idx="0">
+            <a:schemeClr val="accent1"/>
+          </a:fillRef>
+          <a:effectRef idx="0">
+            <a:schemeClr val="accent1"/>
+          </a:effectRef>
+          <a:fontRef idx="minor">
+            <a:schemeClr val="tx1"/>
+          </a:fontRef>
+        </p:style>
+      </p:cxnSp>
+      <p:cxnSp>
+        <p:nvCxnSpPr>
+          <p:cNvPr id="11" name="Straight Connector 10">
+            <a:extLst>
+              <a:ext uri="{FF2B5EF4-FFF2-40B4-BE49-F238E27FC236}">
+                <a16:creationId xmlns:a16="http://schemas.microsoft.com/office/drawing/2014/main" id="{84EAAFBA-469F-A262-32E3-635E57A67812}"/>
+              </a:ext>
+            </a:extLst>
+          </p:cNvPr>
+          <p:cNvCxnSpPr/>
+          <p:nvPr/>
+        </p:nvCxnSpPr>
+        <p:spPr>
+          <a:xfrm>
+            <a:off x="8541026" y="2260626"/>
+            <a:ext cx="0" cy="1575878"/>
+          </a:xfrm>
+          <a:prstGeom prst="line">
+            <a:avLst/>
+          </a:prstGeom>
+          <a:ln w="25400">
+            <a:prstDash val="dash"/>
+          </a:ln>
+        </p:spPr>
+        <p:style>
+          <a:lnRef idx="1">
+            <a:schemeClr val="accent1"/>
+          </a:lnRef>
+          <a:fillRef idx="0">
+            <a:schemeClr val="accent1"/>
+          </a:fillRef>
+          <a:effectRef idx="0">
+            <a:schemeClr val="accent1"/>
+          </a:effectRef>
+          <a:fontRef idx="minor">
+            <a:schemeClr val="tx1"/>
+          </a:fontRef>
+        </p:style>
+      </p:cxnSp>
+      <p:cxnSp>
+        <p:nvCxnSpPr>
+          <p:cNvPr id="13" name="Straight Connector 12">
+            <a:extLst>
+              <a:ext uri="{FF2B5EF4-FFF2-40B4-BE49-F238E27FC236}">
+                <a16:creationId xmlns:a16="http://schemas.microsoft.com/office/drawing/2014/main" id="{144FBE03-6B85-98F7-2B0E-9F12CB8370A6}"/>
+              </a:ext>
+            </a:extLst>
+          </p:cNvPr>
+          <p:cNvCxnSpPr>
+            <a:cxnSpLocks/>
+          </p:cNvCxnSpPr>
+          <p:nvPr/>
+        </p:nvCxnSpPr>
+        <p:spPr>
+          <a:xfrm>
+            <a:off x="6202017" y="2470115"/>
+            <a:ext cx="2339009" cy="0"/>
+          </a:xfrm>
+          <a:prstGeom prst="line">
+            <a:avLst/>
+          </a:prstGeom>
+          <a:ln w="25400">
+            <a:headEnd type="triangle" w="lg" len="lg"/>
+            <a:tailEnd type="triangle" w="lg" len="lg"/>
+          </a:ln>
+        </p:spPr>
+        <p:style>
+          <a:lnRef idx="1">
+            <a:schemeClr val="accent1"/>
+          </a:lnRef>
+          <a:fillRef idx="0">
+            <a:schemeClr val="accent1"/>
+          </a:fillRef>
+          <a:effectRef idx="0">
+            <a:schemeClr val="accent1"/>
+          </a:effectRef>
+          <a:fontRef idx="minor">
+            <a:schemeClr val="tx1"/>
+          </a:fontRef>
+        </p:style>
+      </p:cxnSp>
+      <mc:AlternateContent xmlns:mc="http://schemas.openxmlformats.org/markup-compatibility/2006">
+        <mc:Choice xmlns:a14="http://schemas.microsoft.com/office/drawing/2010/main" Requires="a14">
+          <p:sp>
+            <p:nvSpPr>
+              <p:cNvPr id="15" name="TextBox 14">
+                <a:extLst>
+                  <a:ext uri="{FF2B5EF4-FFF2-40B4-BE49-F238E27FC236}">
+                    <a16:creationId xmlns:a16="http://schemas.microsoft.com/office/drawing/2014/main" id="{9DEC4D7D-12A8-F20A-6EB1-5F85269523A1}"/>
+                  </a:ext>
+                </a:extLst>
+              </p:cNvPr>
+              <p:cNvSpPr txBox="1"/>
+              <p:nvPr/>
+            </p:nvSpPr>
+            <p:spPr>
+              <a:xfrm>
+                <a:off x="6332662" y="2254671"/>
+                <a:ext cx="2077718" cy="215444"/>
+              </a:xfrm>
+              <a:prstGeom prst="rect">
+                <a:avLst/>
+              </a:prstGeom>
+              <a:noFill/>
+            </p:spPr>
+            <p:txBody>
+              <a:bodyPr wrap="square" lIns="0" tIns="0" rIns="0" bIns="0" rtlCol="0">
+                <a:spAutoFit/>
+              </a:bodyPr>
+              <a:lstStyle/>
+              <a:p>
+                <a14:m>
+                  <m:oMathPara xmlns:m="http://schemas.openxmlformats.org/officeDocument/2006/math">
+                    <m:oMathParaPr>
+                      <m:jc m:val="centerGroup"/>
+                    </m:oMathParaPr>
+                    <m:oMath xmlns:m="http://schemas.openxmlformats.org/officeDocument/2006/math">
+                      <m:r>
+                        <a:rPr lang="en-US" sz="1400" b="0" i="1" smtClean="0">
+                          <a:solidFill>
+                            <a:srgbClr val="C00000"/>
+                          </a:solidFill>
+                          <a:latin typeface="Cambria Math" panose="02040503050406030204" pitchFamily="18" charset="0"/>
+                        </a:rPr>
+                        <m:t>𝑜𝑛𝑒</m:t>
+                      </m:r>
+                      <m:r>
+                        <a:rPr lang="en-US" sz="1400" b="0" i="1" smtClean="0">
+                          <a:solidFill>
+                            <a:srgbClr val="C00000"/>
+                          </a:solidFill>
+                          <a:latin typeface="Cambria Math" panose="02040503050406030204" pitchFamily="18" charset="0"/>
+                        </a:rPr>
+                        <m:t> </m:t>
+                      </m:r>
+                      <m:r>
+                        <a:rPr lang="en-US" sz="1400" b="0" i="1" smtClean="0">
+                          <a:solidFill>
+                            <a:srgbClr val="C00000"/>
+                          </a:solidFill>
+                          <a:latin typeface="Cambria Math" panose="02040503050406030204" pitchFamily="18" charset="0"/>
+                        </a:rPr>
+                        <m:t>𝑠𝑖𝑚𝑢𝑙𝑎𝑡𝑖𝑜𝑛</m:t>
+                      </m:r>
+                      <m:r>
+                        <a:rPr lang="en-US" sz="1400" b="0" i="1" smtClean="0">
+                          <a:solidFill>
+                            <a:srgbClr val="C00000"/>
+                          </a:solidFill>
+                          <a:latin typeface="Cambria Math" panose="02040503050406030204" pitchFamily="18" charset="0"/>
+                        </a:rPr>
+                        <m:t> </m:t>
+                      </m:r>
+                      <m:r>
+                        <a:rPr lang="en-US" sz="1400" b="0" i="1" smtClean="0">
+                          <a:solidFill>
+                            <a:srgbClr val="C00000"/>
+                          </a:solidFill>
+                          <a:latin typeface="Cambria Math" panose="02040503050406030204" pitchFamily="18" charset="0"/>
+                        </a:rPr>
+                        <m:t>𝑐𝑦𝑐𝑙𝑒</m:t>
+                      </m:r>
+                    </m:oMath>
+                  </m:oMathPara>
+                </a14:m>
+                <a:endParaRPr lang="en-US" sz="1400" dirty="0">
+                  <a:solidFill>
+                    <a:srgbClr val="C00000"/>
+                  </a:solidFill>
+                </a:endParaRPr>
+              </a:p>
+            </p:txBody>
+          </p:sp>
+        </mc:Choice>
+        <mc:Fallback>
+          <p:sp>
+            <p:nvSpPr>
+              <p:cNvPr id="15" name="TextBox 14">
+                <a:extLst>
+                  <a:ext uri="{FF2B5EF4-FFF2-40B4-BE49-F238E27FC236}">
+                    <a16:creationId xmlns:a16="http://schemas.microsoft.com/office/drawing/2014/main" id="{9DEC4D7D-12A8-F20A-6EB1-5F85269523A1}"/>
+                  </a:ext>
+                </a:extLst>
+              </p:cNvPr>
+              <p:cNvSpPr txBox="1">
+                <a:spLocks noRot="1" noChangeAspect="1" noMove="1" noResize="1" noEditPoints="1" noAdjustHandles="1" noChangeArrowheads="1" noChangeShapeType="1" noTextEdit="1"/>
+              </p:cNvSpPr>
+              <p:nvPr/>
+            </p:nvSpPr>
+            <p:spPr>
+              <a:xfrm>
+                <a:off x="6332662" y="2254671"/>
+                <a:ext cx="2077718" cy="215444"/>
+              </a:xfrm>
+              <a:prstGeom prst="rect">
+                <a:avLst/>
+              </a:prstGeom>
+              <a:blipFill>
+                <a:blip r:embed="rId4"/>
+                <a:stretch>
+                  <a:fillRect t="-11111" b="-38889"/>
+                </a:stretch>
+              </a:blipFill>
+            </p:spPr>
+            <p:txBody>
+              <a:bodyPr/>
+              <a:lstStyle/>
+              <a:p>
+                <a:r>
+                  <a:rPr lang="en-US">
+                    <a:noFill/>
+                  </a:rPr>
+                  <a:t> </a:t>
+                </a:r>
+              </a:p>
+            </p:txBody>
+          </p:sp>
+        </mc:Fallback>
+      </mc:AlternateContent>
+      <p:cxnSp>
+        <p:nvCxnSpPr>
+          <p:cNvPr id="19" name="Straight Connector 18">
+            <a:extLst>
+              <a:ext uri="{FF2B5EF4-FFF2-40B4-BE49-F238E27FC236}">
+                <a16:creationId xmlns:a16="http://schemas.microsoft.com/office/drawing/2014/main" id="{5C050925-C488-6E79-F3D7-C88BFC93A3D0}"/>
+              </a:ext>
+            </a:extLst>
+          </p:cNvPr>
+          <p:cNvCxnSpPr/>
+          <p:nvPr/>
+        </p:nvCxnSpPr>
+        <p:spPr>
+          <a:xfrm>
+            <a:off x="6153285" y="4550655"/>
+            <a:ext cx="0" cy="1575878"/>
+          </a:xfrm>
+          <a:prstGeom prst="line">
+            <a:avLst/>
+          </a:prstGeom>
+          <a:ln w="25400">
+            <a:prstDash val="dash"/>
+          </a:ln>
+        </p:spPr>
+        <p:style>
+          <a:lnRef idx="1">
+            <a:schemeClr val="accent1"/>
+          </a:lnRef>
+          <a:fillRef idx="0">
+            <a:schemeClr val="accent1"/>
+          </a:fillRef>
+          <a:effectRef idx="0">
+            <a:schemeClr val="accent1"/>
+          </a:effectRef>
+          <a:fontRef idx="minor">
+            <a:schemeClr val="tx1"/>
+          </a:fontRef>
+        </p:style>
+      </p:cxnSp>
+      <p:cxnSp>
+        <p:nvCxnSpPr>
+          <p:cNvPr id="20" name="Straight Connector 19">
+            <a:extLst>
+              <a:ext uri="{FF2B5EF4-FFF2-40B4-BE49-F238E27FC236}">
+                <a16:creationId xmlns:a16="http://schemas.microsoft.com/office/drawing/2014/main" id="{0EF4B25B-F00C-0F05-C7C1-930E8DBD6E8A}"/>
+              </a:ext>
+            </a:extLst>
+          </p:cNvPr>
+          <p:cNvCxnSpPr/>
+          <p:nvPr/>
+        </p:nvCxnSpPr>
+        <p:spPr>
+          <a:xfrm>
+            <a:off x="8015215" y="4550655"/>
+            <a:ext cx="0" cy="1575878"/>
+          </a:xfrm>
+          <a:prstGeom prst="line">
+            <a:avLst/>
+          </a:prstGeom>
+          <a:ln w="25400">
+            <a:prstDash val="dash"/>
+          </a:ln>
+        </p:spPr>
+        <p:style>
+          <a:lnRef idx="1">
+            <a:schemeClr val="accent1"/>
+          </a:lnRef>
+          <a:fillRef idx="0">
+            <a:schemeClr val="accent1"/>
+          </a:fillRef>
+          <a:effectRef idx="0">
+            <a:schemeClr val="accent1"/>
+          </a:effectRef>
+          <a:fontRef idx="minor">
+            <a:schemeClr val="tx1"/>
+          </a:fontRef>
+        </p:style>
+      </p:cxnSp>
+      <p:cxnSp>
+        <p:nvCxnSpPr>
+          <p:cNvPr id="21" name="Straight Connector 20">
+            <a:extLst>
+              <a:ext uri="{FF2B5EF4-FFF2-40B4-BE49-F238E27FC236}">
+                <a16:creationId xmlns:a16="http://schemas.microsoft.com/office/drawing/2014/main" id="{BE5ACEEB-E357-D727-B35D-A54BE0A8EAC5}"/>
+              </a:ext>
+            </a:extLst>
+          </p:cNvPr>
+          <p:cNvCxnSpPr>
+            <a:cxnSpLocks/>
+          </p:cNvCxnSpPr>
+          <p:nvPr/>
+        </p:nvCxnSpPr>
+        <p:spPr>
+          <a:xfrm>
+            <a:off x="6153285" y="4750205"/>
+            <a:ext cx="1861930" cy="0"/>
+          </a:xfrm>
+          <a:prstGeom prst="line">
+            <a:avLst/>
+          </a:prstGeom>
+          <a:ln w="25400">
+            <a:headEnd type="triangle" w="lg" len="lg"/>
+            <a:tailEnd type="triangle" w="lg" len="lg"/>
+          </a:ln>
+        </p:spPr>
+        <p:style>
+          <a:lnRef idx="1">
+            <a:schemeClr val="accent1"/>
+          </a:lnRef>
+          <a:fillRef idx="0">
+            <a:schemeClr val="accent1"/>
+          </a:fillRef>
+          <a:effectRef idx="0">
+            <a:schemeClr val="accent1"/>
+          </a:effectRef>
+          <a:fontRef idx="minor">
+            <a:schemeClr val="tx1"/>
+          </a:fontRef>
+        </p:style>
+      </p:cxnSp>
+      <mc:AlternateContent xmlns:mc="http://schemas.openxmlformats.org/markup-compatibility/2006">
+        <mc:Choice xmlns:a14="http://schemas.microsoft.com/office/drawing/2010/main" Requires="a14">
+          <p:sp>
+            <p:nvSpPr>
+              <p:cNvPr id="22" name="TextBox 21">
+                <a:extLst>
+                  <a:ext uri="{FF2B5EF4-FFF2-40B4-BE49-F238E27FC236}">
+                    <a16:creationId xmlns:a16="http://schemas.microsoft.com/office/drawing/2014/main" id="{CAADD75B-9CBE-26EA-51B7-49F86A320CAB}"/>
+                  </a:ext>
+                </a:extLst>
+              </p:cNvPr>
+              <p:cNvSpPr txBox="1"/>
+              <p:nvPr/>
+            </p:nvSpPr>
+            <p:spPr>
+              <a:xfrm>
+                <a:off x="6096000" y="4513468"/>
+                <a:ext cx="2077718" cy="215444"/>
+              </a:xfrm>
+              <a:prstGeom prst="rect">
+                <a:avLst/>
+              </a:prstGeom>
+              <a:noFill/>
+            </p:spPr>
+            <p:txBody>
+              <a:bodyPr wrap="square" lIns="0" tIns="0" rIns="0" bIns="0" rtlCol="0">
+                <a:spAutoFit/>
+              </a:bodyPr>
+              <a:lstStyle/>
+              <a:p>
+                <a14:m>
+                  <m:oMathPara xmlns:m="http://schemas.openxmlformats.org/officeDocument/2006/math">
+                    <m:oMathParaPr>
+                      <m:jc m:val="centerGroup"/>
+                    </m:oMathParaPr>
+                    <m:oMath xmlns:m="http://schemas.openxmlformats.org/officeDocument/2006/math">
+                      <m:r>
+                        <a:rPr lang="en-US" sz="1400" b="0" i="1" smtClean="0">
+                          <a:solidFill>
+                            <a:srgbClr val="C00000"/>
+                          </a:solidFill>
+                          <a:latin typeface="Cambria Math" panose="02040503050406030204" pitchFamily="18" charset="0"/>
+                        </a:rPr>
+                        <m:t>𝑜𝑛𝑒</m:t>
+                      </m:r>
+                      <m:r>
+                        <a:rPr lang="en-US" sz="1400" b="0" i="1" smtClean="0">
+                          <a:solidFill>
+                            <a:srgbClr val="C00000"/>
+                          </a:solidFill>
+                          <a:latin typeface="Cambria Math" panose="02040503050406030204" pitchFamily="18" charset="0"/>
+                        </a:rPr>
+                        <m:t> </m:t>
+                      </m:r>
+                      <m:r>
+                        <a:rPr lang="en-US" sz="1400" b="0" i="1" smtClean="0">
+                          <a:solidFill>
+                            <a:srgbClr val="C00000"/>
+                          </a:solidFill>
+                          <a:latin typeface="Cambria Math" panose="02040503050406030204" pitchFamily="18" charset="0"/>
+                        </a:rPr>
+                        <m:t>𝑠𝑖𝑚𝑢𝑙𝑎𝑡𝑖𝑜𝑛</m:t>
+                      </m:r>
+                      <m:r>
+                        <a:rPr lang="en-US" sz="1400" b="0" i="1" smtClean="0">
+                          <a:solidFill>
+                            <a:srgbClr val="C00000"/>
+                          </a:solidFill>
+                          <a:latin typeface="Cambria Math" panose="02040503050406030204" pitchFamily="18" charset="0"/>
+                        </a:rPr>
+                        <m:t> </m:t>
+                      </m:r>
+                      <m:r>
+                        <a:rPr lang="en-US" sz="1400" b="0" i="1" smtClean="0">
+                          <a:solidFill>
+                            <a:srgbClr val="C00000"/>
+                          </a:solidFill>
+                          <a:latin typeface="Cambria Math" panose="02040503050406030204" pitchFamily="18" charset="0"/>
+                        </a:rPr>
+                        <m:t>𝑐𝑦𝑐𝑙𝑒</m:t>
+                      </m:r>
+                    </m:oMath>
+                  </m:oMathPara>
+                </a14:m>
+                <a:endParaRPr lang="en-US" sz="1400" dirty="0">
+                  <a:solidFill>
+                    <a:srgbClr val="C00000"/>
+                  </a:solidFill>
+                </a:endParaRPr>
+              </a:p>
+            </p:txBody>
+          </p:sp>
+        </mc:Choice>
+        <mc:Fallback>
+          <p:sp>
+            <p:nvSpPr>
+              <p:cNvPr id="22" name="TextBox 21">
+                <a:extLst>
+                  <a:ext uri="{FF2B5EF4-FFF2-40B4-BE49-F238E27FC236}">
+                    <a16:creationId xmlns:a16="http://schemas.microsoft.com/office/drawing/2014/main" id="{CAADD75B-9CBE-26EA-51B7-49F86A320CAB}"/>
+                  </a:ext>
+                </a:extLst>
+              </p:cNvPr>
+              <p:cNvSpPr txBox="1">
+                <a:spLocks noRot="1" noChangeAspect="1" noMove="1" noResize="1" noEditPoints="1" noAdjustHandles="1" noChangeArrowheads="1" noChangeShapeType="1" noTextEdit="1"/>
+              </p:cNvSpPr>
+              <p:nvPr/>
+            </p:nvSpPr>
+            <p:spPr>
+              <a:xfrm>
+                <a:off x="6096000" y="4513468"/>
+                <a:ext cx="2077718" cy="215444"/>
+              </a:xfrm>
+              <a:prstGeom prst="rect">
+                <a:avLst/>
+              </a:prstGeom>
+              <a:blipFill>
+                <a:blip r:embed="rId5"/>
+                <a:stretch>
+                  <a:fillRect t="-11111" b="-33333"/>
+                </a:stretch>
+              </a:blipFill>
+            </p:spPr>
+            <p:txBody>
+              <a:bodyPr/>
+              <a:lstStyle/>
+              <a:p>
+                <a:r>
+                  <a:rPr lang="en-US">
+                    <a:noFill/>
+                  </a:rPr>
+                  <a:t> </a:t>
+                </a:r>
+              </a:p>
+            </p:txBody>
+          </p:sp>
+        </mc:Fallback>
+      </mc:AlternateContent>
+      <p:cxnSp>
+        <p:nvCxnSpPr>
+          <p:cNvPr id="24" name="Straight Connector 23">
+            <a:extLst>
+              <a:ext uri="{FF2B5EF4-FFF2-40B4-BE49-F238E27FC236}">
+                <a16:creationId xmlns:a16="http://schemas.microsoft.com/office/drawing/2014/main" id="{6363C7B7-9C4A-EB35-C422-6D9FF98376C5}"/>
+              </a:ext>
+            </a:extLst>
+          </p:cNvPr>
+          <p:cNvCxnSpPr>
+            <a:cxnSpLocks/>
+          </p:cNvCxnSpPr>
+          <p:nvPr/>
+        </p:nvCxnSpPr>
+        <p:spPr>
+          <a:xfrm>
+            <a:off x="7520608" y="2741017"/>
+            <a:ext cx="0" cy="1095487"/>
+          </a:xfrm>
+          <a:prstGeom prst="line">
+            <a:avLst/>
+          </a:prstGeom>
+          <a:ln w="25400">
+            <a:prstDash val="dash"/>
+          </a:ln>
+        </p:spPr>
+        <p:style>
+          <a:lnRef idx="1">
+            <a:schemeClr val="accent1"/>
+          </a:lnRef>
+          <a:fillRef idx="0">
+            <a:schemeClr val="accent1"/>
+          </a:fillRef>
+          <a:effectRef idx="0">
+            <a:schemeClr val="accent1"/>
+          </a:effectRef>
+          <a:fontRef idx="minor">
+            <a:schemeClr val="tx1"/>
+          </a:fontRef>
+        </p:style>
+      </p:cxnSp>
+      <p:cxnSp>
+        <p:nvCxnSpPr>
+          <p:cNvPr id="26" name="Straight Connector 25">
+            <a:extLst>
+              <a:ext uri="{FF2B5EF4-FFF2-40B4-BE49-F238E27FC236}">
+                <a16:creationId xmlns:a16="http://schemas.microsoft.com/office/drawing/2014/main" id="{8B9D5211-F304-7AE9-1CFB-69A985BD7092}"/>
+              </a:ext>
+            </a:extLst>
+          </p:cNvPr>
+          <p:cNvCxnSpPr>
+            <a:cxnSpLocks/>
+          </p:cNvCxnSpPr>
+          <p:nvPr/>
+        </p:nvCxnSpPr>
+        <p:spPr>
+          <a:xfrm>
+            <a:off x="8015215" y="2741017"/>
+            <a:ext cx="0" cy="1095487"/>
+          </a:xfrm>
+          <a:prstGeom prst="line">
+            <a:avLst/>
+          </a:prstGeom>
+          <a:ln w="25400">
+            <a:prstDash val="dash"/>
+          </a:ln>
+        </p:spPr>
+        <p:style>
+          <a:lnRef idx="1">
+            <a:schemeClr val="accent1"/>
+          </a:lnRef>
+          <a:fillRef idx="0">
+            <a:schemeClr val="accent1"/>
+          </a:fillRef>
+          <a:effectRef idx="0">
+            <a:schemeClr val="accent1"/>
+          </a:effectRef>
+          <a:fontRef idx="minor">
+            <a:schemeClr val="tx1"/>
+          </a:fontRef>
+        </p:style>
+      </p:cxnSp>
+      <mc:AlternateContent xmlns:mc="http://schemas.openxmlformats.org/markup-compatibility/2006">
+        <mc:Choice xmlns:a14="http://schemas.microsoft.com/office/drawing/2010/main" Requires="a14">
+          <p:sp>
+            <p:nvSpPr>
+              <p:cNvPr id="27" name="TextBox 26">
+                <a:extLst>
+                  <a:ext uri="{FF2B5EF4-FFF2-40B4-BE49-F238E27FC236}">
+                    <a16:creationId xmlns:a16="http://schemas.microsoft.com/office/drawing/2014/main" id="{39866AC4-B914-F6D9-9BC6-6BC44E1BBB85}"/>
+                  </a:ext>
+                </a:extLst>
+              </p:cNvPr>
+              <p:cNvSpPr txBox="1"/>
+              <p:nvPr/>
+            </p:nvSpPr>
+            <p:spPr>
+              <a:xfrm>
+                <a:off x="7129372" y="2514939"/>
+                <a:ext cx="711707" cy="215431"/>
+              </a:xfrm>
+              <a:prstGeom prst="rect">
+                <a:avLst/>
+              </a:prstGeom>
+              <a:noFill/>
+            </p:spPr>
+            <p:txBody>
+              <a:bodyPr wrap="square" lIns="0" tIns="0" rIns="0" bIns="0" rtlCol="0">
+                <a:spAutoFit/>
+              </a:bodyPr>
+              <a:lstStyle/>
+              <a:p>
+                <a14:m>
+                  <m:oMathPara xmlns:m="http://schemas.openxmlformats.org/officeDocument/2006/math">
+                    <m:oMathParaPr>
+                      <m:jc m:val="centerGroup"/>
+                    </m:oMathParaPr>
+                    <m:oMath xmlns:m="http://schemas.openxmlformats.org/officeDocument/2006/math">
+                      <m:r>
+                        <a:rPr lang="en-US" sz="1400" b="0" i="1" smtClean="0">
+                          <a:solidFill>
+                            <a:srgbClr val="C00000"/>
+                          </a:solidFill>
+                          <a:latin typeface="Cambria Math" panose="02040503050406030204" pitchFamily="18" charset="0"/>
+                        </a:rPr>
+                        <m:t>𝑠𝑦𝑛𝑐</m:t>
+                      </m:r>
+                    </m:oMath>
+                  </m:oMathPara>
+                </a14:m>
+                <a:endParaRPr lang="en-US" sz="1400" dirty="0">
+                  <a:solidFill>
+                    <a:srgbClr val="C00000"/>
+                  </a:solidFill>
+                </a:endParaRPr>
+              </a:p>
+            </p:txBody>
+          </p:sp>
+        </mc:Choice>
+        <mc:Fallback>
+          <p:sp>
+            <p:nvSpPr>
+              <p:cNvPr id="27" name="TextBox 26">
+                <a:extLst>
+                  <a:ext uri="{FF2B5EF4-FFF2-40B4-BE49-F238E27FC236}">
+                    <a16:creationId xmlns:a16="http://schemas.microsoft.com/office/drawing/2014/main" id="{39866AC4-B914-F6D9-9BC6-6BC44E1BBB85}"/>
+                  </a:ext>
+                </a:extLst>
+              </p:cNvPr>
+              <p:cNvSpPr txBox="1">
+                <a:spLocks noRot="1" noChangeAspect="1" noMove="1" noResize="1" noEditPoints="1" noAdjustHandles="1" noChangeArrowheads="1" noChangeShapeType="1" noTextEdit="1"/>
+              </p:cNvSpPr>
+              <p:nvPr/>
+            </p:nvSpPr>
+            <p:spPr>
+              <a:xfrm>
+                <a:off x="7129372" y="2514939"/>
+                <a:ext cx="711707" cy="215431"/>
+              </a:xfrm>
+              <a:prstGeom prst="rect">
+                <a:avLst/>
+              </a:prstGeom>
+              <a:blipFill>
+                <a:blip r:embed="rId6"/>
+                <a:stretch>
+                  <a:fillRect b="-22222"/>
+                </a:stretch>
+              </a:blipFill>
+            </p:spPr>
+            <p:txBody>
+              <a:bodyPr/>
+              <a:lstStyle/>
+              <a:p>
+                <a:r>
+                  <a:rPr lang="en-US">
+                    <a:noFill/>
+                  </a:rPr>
+                  <a:t> </a:t>
+                </a:r>
+              </a:p>
+            </p:txBody>
+          </p:sp>
+        </mc:Fallback>
+      </mc:AlternateContent>
+      <mc:AlternateContent xmlns:mc="http://schemas.openxmlformats.org/markup-compatibility/2006">
+        <mc:Choice xmlns:a14="http://schemas.microsoft.com/office/drawing/2010/main" Requires="a14">
+          <p:sp>
+            <p:nvSpPr>
+              <p:cNvPr id="28" name="TextBox 27">
+                <a:extLst>
+                  <a:ext uri="{FF2B5EF4-FFF2-40B4-BE49-F238E27FC236}">
+                    <a16:creationId xmlns:a16="http://schemas.microsoft.com/office/drawing/2014/main" id="{48B50A48-D8AF-73C5-6753-FE11805C1144}"/>
+                  </a:ext>
+                </a:extLst>
+              </p:cNvPr>
+              <p:cNvSpPr txBox="1"/>
+              <p:nvPr/>
+            </p:nvSpPr>
+            <p:spPr>
+              <a:xfrm>
+                <a:off x="7659361" y="2519695"/>
+                <a:ext cx="711707" cy="215431"/>
+              </a:xfrm>
+              <a:prstGeom prst="rect">
+                <a:avLst/>
+              </a:prstGeom>
+              <a:noFill/>
+            </p:spPr>
+            <p:txBody>
+              <a:bodyPr wrap="square" lIns="0" tIns="0" rIns="0" bIns="0" rtlCol="0">
+                <a:spAutoFit/>
+              </a:bodyPr>
+              <a:lstStyle/>
+              <a:p>
+                <a14:m>
+                  <m:oMathPara xmlns:m="http://schemas.openxmlformats.org/officeDocument/2006/math">
+                    <m:oMathParaPr>
+                      <m:jc m:val="centerGroup"/>
+                    </m:oMathParaPr>
+                    <m:oMath xmlns:m="http://schemas.openxmlformats.org/officeDocument/2006/math">
+                      <m:r>
+                        <a:rPr lang="en-US" sz="1400" b="0" i="1" smtClean="0">
+                          <a:solidFill>
+                            <a:srgbClr val="C00000"/>
+                          </a:solidFill>
+                          <a:latin typeface="Cambria Math" panose="02040503050406030204" pitchFamily="18" charset="0"/>
+                        </a:rPr>
+                        <m:t>𝑠𝑦𝑛𝑐</m:t>
+                      </m:r>
+                    </m:oMath>
+                  </m:oMathPara>
+                </a14:m>
+                <a:endParaRPr lang="en-US" sz="1400" dirty="0">
+                  <a:solidFill>
+                    <a:srgbClr val="C00000"/>
+                  </a:solidFill>
+                </a:endParaRPr>
+              </a:p>
+            </p:txBody>
+          </p:sp>
+        </mc:Choice>
+        <mc:Fallback>
+          <p:sp>
+            <p:nvSpPr>
+              <p:cNvPr id="28" name="TextBox 27">
+                <a:extLst>
+                  <a:ext uri="{FF2B5EF4-FFF2-40B4-BE49-F238E27FC236}">
+                    <a16:creationId xmlns:a16="http://schemas.microsoft.com/office/drawing/2014/main" id="{48B50A48-D8AF-73C5-6753-FE11805C1144}"/>
+                  </a:ext>
+                </a:extLst>
+              </p:cNvPr>
+              <p:cNvSpPr txBox="1">
+                <a:spLocks noRot="1" noChangeAspect="1" noMove="1" noResize="1" noEditPoints="1" noAdjustHandles="1" noChangeArrowheads="1" noChangeShapeType="1" noTextEdit="1"/>
+              </p:cNvSpPr>
+              <p:nvPr/>
+            </p:nvSpPr>
+            <p:spPr>
+              <a:xfrm>
+                <a:off x="7659361" y="2519695"/>
+                <a:ext cx="711707" cy="215431"/>
+              </a:xfrm>
+              <a:prstGeom prst="rect">
+                <a:avLst/>
+              </a:prstGeom>
+              <a:blipFill>
+                <a:blip r:embed="rId7"/>
+                <a:stretch>
+                  <a:fillRect b="-22222"/>
+                </a:stretch>
+              </a:blipFill>
+            </p:spPr>
+            <p:txBody>
+              <a:bodyPr/>
+              <a:lstStyle/>
+              <a:p>
+                <a:r>
+                  <a:rPr lang="en-US">
+                    <a:noFill/>
+                  </a:rPr>
+                  <a:t> </a:t>
+                </a:r>
+              </a:p>
+            </p:txBody>
+          </p:sp>
+        </mc:Fallback>
+      </mc:AlternateContent>
+      <mc:AlternateContent xmlns:mc="http://schemas.openxmlformats.org/markup-compatibility/2006">
+        <mc:Choice xmlns:a14="http://schemas.microsoft.com/office/drawing/2010/main" Requires="a14">
+          <p:sp>
+            <p:nvSpPr>
+              <p:cNvPr id="29" name="TextBox 28">
+                <a:extLst>
+                  <a:ext uri="{FF2B5EF4-FFF2-40B4-BE49-F238E27FC236}">
+                    <a16:creationId xmlns:a16="http://schemas.microsoft.com/office/drawing/2014/main" id="{150EE48D-7AEA-36C7-7E2B-48E565ADAB0A}"/>
+                  </a:ext>
+                </a:extLst>
+              </p:cNvPr>
+              <p:cNvSpPr txBox="1"/>
+              <p:nvPr/>
+            </p:nvSpPr>
+            <p:spPr>
+              <a:xfrm>
+                <a:off x="8185172" y="2033349"/>
+                <a:ext cx="711707" cy="215431"/>
+              </a:xfrm>
+              <a:prstGeom prst="rect">
+                <a:avLst/>
+              </a:prstGeom>
+              <a:noFill/>
+            </p:spPr>
+            <p:txBody>
+              <a:bodyPr wrap="square" lIns="0" tIns="0" rIns="0" bIns="0" rtlCol="0">
+                <a:spAutoFit/>
+              </a:bodyPr>
+              <a:lstStyle/>
+              <a:p>
+                <a14:m>
+                  <m:oMathPara xmlns:m="http://schemas.openxmlformats.org/officeDocument/2006/math">
+                    <m:oMathParaPr>
+                      <m:jc m:val="centerGroup"/>
+                    </m:oMathParaPr>
+                    <m:oMath xmlns:m="http://schemas.openxmlformats.org/officeDocument/2006/math">
+                      <m:r>
+                        <a:rPr lang="en-US" sz="1400" b="0" i="1" smtClean="0">
+                          <a:solidFill>
+                            <a:srgbClr val="C00000"/>
+                          </a:solidFill>
+                          <a:latin typeface="Cambria Math" panose="02040503050406030204" pitchFamily="18" charset="0"/>
+                        </a:rPr>
+                        <m:t>𝑠𝑦𝑛𝑐</m:t>
+                      </m:r>
+                    </m:oMath>
+                  </m:oMathPara>
+                </a14:m>
+                <a:endParaRPr lang="en-US" sz="1400" dirty="0">
+                  <a:solidFill>
+                    <a:srgbClr val="C00000"/>
+                  </a:solidFill>
+                </a:endParaRPr>
+              </a:p>
+            </p:txBody>
+          </p:sp>
+        </mc:Choice>
+        <mc:Fallback>
+          <p:sp>
+            <p:nvSpPr>
+              <p:cNvPr id="29" name="TextBox 28">
+                <a:extLst>
+                  <a:ext uri="{FF2B5EF4-FFF2-40B4-BE49-F238E27FC236}">
+                    <a16:creationId xmlns:a16="http://schemas.microsoft.com/office/drawing/2014/main" id="{150EE48D-7AEA-36C7-7E2B-48E565ADAB0A}"/>
+                  </a:ext>
+                </a:extLst>
+              </p:cNvPr>
+              <p:cNvSpPr txBox="1">
+                <a:spLocks noRot="1" noChangeAspect="1" noMove="1" noResize="1" noEditPoints="1" noAdjustHandles="1" noChangeArrowheads="1" noChangeShapeType="1" noTextEdit="1"/>
+              </p:cNvSpPr>
+              <p:nvPr/>
+            </p:nvSpPr>
+            <p:spPr>
+              <a:xfrm>
+                <a:off x="8185172" y="2033349"/>
+                <a:ext cx="711707" cy="215431"/>
+              </a:xfrm>
+              <a:prstGeom prst="rect">
+                <a:avLst/>
+              </a:prstGeom>
+              <a:blipFill>
+                <a:blip r:embed="rId8"/>
+                <a:stretch>
+                  <a:fillRect b="-22222"/>
+                </a:stretch>
+              </a:blipFill>
+            </p:spPr>
+            <p:txBody>
+              <a:bodyPr/>
+              <a:lstStyle/>
+              <a:p>
+                <a:r>
+                  <a:rPr lang="en-US">
+                    <a:noFill/>
+                  </a:rPr>
+                  <a:t> </a:t>
+                </a:r>
+              </a:p>
+            </p:txBody>
+          </p:sp>
+        </mc:Fallback>
+      </mc:AlternateContent>
+      <mc:AlternateContent xmlns:mc="http://schemas.openxmlformats.org/markup-compatibility/2006">
+        <mc:Choice xmlns:a14="http://schemas.microsoft.com/office/drawing/2010/main" Requires="a14">
+          <p:sp>
+            <p:nvSpPr>
+              <p:cNvPr id="30" name="TextBox 29">
+                <a:extLst>
+                  <a:ext uri="{FF2B5EF4-FFF2-40B4-BE49-F238E27FC236}">
+                    <a16:creationId xmlns:a16="http://schemas.microsoft.com/office/drawing/2014/main" id="{3D26FC44-2C98-1BE5-5D89-970780FDD9A0}"/>
+                  </a:ext>
+                </a:extLst>
+              </p:cNvPr>
+              <p:cNvSpPr txBox="1"/>
+              <p:nvPr/>
+            </p:nvSpPr>
+            <p:spPr>
+              <a:xfrm>
+                <a:off x="7660274" y="4287390"/>
+                <a:ext cx="711707" cy="215431"/>
+              </a:xfrm>
+              <a:prstGeom prst="rect">
+                <a:avLst/>
+              </a:prstGeom>
+              <a:noFill/>
+            </p:spPr>
+            <p:txBody>
+              <a:bodyPr wrap="square" lIns="0" tIns="0" rIns="0" bIns="0" rtlCol="0">
+                <a:spAutoFit/>
+              </a:bodyPr>
+              <a:lstStyle/>
+              <a:p>
+                <a14:m>
+                  <m:oMathPara xmlns:m="http://schemas.openxmlformats.org/officeDocument/2006/math">
+                    <m:oMathParaPr>
+                      <m:jc m:val="centerGroup"/>
+                    </m:oMathParaPr>
+                    <m:oMath xmlns:m="http://schemas.openxmlformats.org/officeDocument/2006/math">
+                      <m:r>
+                        <a:rPr lang="en-US" sz="1400" b="0" i="1" smtClean="0">
+                          <a:solidFill>
+                            <a:srgbClr val="C00000"/>
+                          </a:solidFill>
+                          <a:latin typeface="Cambria Math" panose="02040503050406030204" pitchFamily="18" charset="0"/>
+                        </a:rPr>
+                        <m:t>𝑠𝑦𝑛𝑐</m:t>
+                      </m:r>
+                    </m:oMath>
+                  </m:oMathPara>
+                </a14:m>
+                <a:endParaRPr lang="en-US" sz="1400" dirty="0">
+                  <a:solidFill>
+                    <a:srgbClr val="C00000"/>
+                  </a:solidFill>
+                </a:endParaRPr>
+              </a:p>
+            </p:txBody>
+          </p:sp>
+        </mc:Choice>
+        <mc:Fallback>
+          <p:sp>
+            <p:nvSpPr>
+              <p:cNvPr id="30" name="TextBox 29">
+                <a:extLst>
+                  <a:ext uri="{FF2B5EF4-FFF2-40B4-BE49-F238E27FC236}">
+                    <a16:creationId xmlns:a16="http://schemas.microsoft.com/office/drawing/2014/main" id="{3D26FC44-2C98-1BE5-5D89-970780FDD9A0}"/>
+                  </a:ext>
+                </a:extLst>
+              </p:cNvPr>
+              <p:cNvSpPr txBox="1">
+                <a:spLocks noRot="1" noChangeAspect="1" noMove="1" noResize="1" noEditPoints="1" noAdjustHandles="1" noChangeArrowheads="1" noChangeShapeType="1" noTextEdit="1"/>
+              </p:cNvSpPr>
+              <p:nvPr/>
+            </p:nvSpPr>
+            <p:spPr>
+              <a:xfrm>
+                <a:off x="7660274" y="4287390"/>
+                <a:ext cx="711707" cy="215431"/>
+              </a:xfrm>
+              <a:prstGeom prst="rect">
+                <a:avLst/>
+              </a:prstGeom>
+              <a:blipFill>
+                <a:blip r:embed="rId9"/>
+                <a:stretch>
+                  <a:fillRect b="-27778"/>
+                </a:stretch>
+              </a:blipFill>
+            </p:spPr>
+            <p:txBody>
+              <a:bodyPr/>
+              <a:lstStyle/>
+              <a:p>
+                <a:r>
+                  <a:rPr lang="en-US">
+                    <a:noFill/>
+                  </a:rPr>
+                  <a:t> </a:t>
+                </a:r>
+              </a:p>
+            </p:txBody>
+          </p:sp>
+        </mc:Fallback>
+      </mc:AlternateContent>
     </p:spTree>
     <p:extLst>
       <p:ext uri="{BB962C8B-B14F-4D97-AF65-F5344CB8AC3E}">
@@ -16733,6 +18146,69 @@
 </file>
 
 <file path=ppt/slides/slide8.xml><?xml version="1.0" encoding="utf-8"?>
+<p:sld xmlns:a="http://schemas.openxmlformats.org/drawingml/2006/main" xmlns:r="http://schemas.openxmlformats.org/officeDocument/2006/relationships" xmlns:p="http://schemas.openxmlformats.org/presentationml/2006/main">
+  <p:cSld>
+    <p:spTree>
+      <p:nvGrpSpPr>
+        <p:cNvPr id="1" name=""/>
+        <p:cNvGrpSpPr/>
+        <p:nvPr/>
+      </p:nvGrpSpPr>
+      <p:grpSpPr>
+        <a:xfrm>
+          <a:off x="0" y="0"/>
+          <a:ext cx="0" cy="0"/>
+          <a:chOff x="0" y="0"/>
+          <a:chExt cx="0" cy="0"/>
+        </a:xfrm>
+      </p:grpSpPr>
+      <p:sp>
+        <p:nvSpPr>
+          <p:cNvPr id="5" name="Title 4">
+            <a:extLst>
+              <a:ext uri="{FF2B5EF4-FFF2-40B4-BE49-F238E27FC236}">
+                <a16:creationId xmlns:a16="http://schemas.microsoft.com/office/drawing/2014/main" id="{E4405956-01CF-52B8-2EBD-7650C18BE49D}"/>
+              </a:ext>
+            </a:extLst>
+          </p:cNvPr>
+          <p:cNvSpPr>
+            <a:spLocks noGrp="1"/>
+          </p:cNvSpPr>
+          <p:nvPr>
+            <p:ph type="title"/>
+          </p:nvPr>
+        </p:nvSpPr>
+        <p:spPr/>
+        <p:txBody>
+          <a:bodyPr/>
+          <a:lstStyle/>
+          <a:p>
+            <a:r>
+              <a:rPr lang="en-US" dirty="0"/>
+              <a:t>Introduction to </a:t>
+            </a:r>
+            <a:r>
+              <a:rPr lang="en-US" dirty="0" err="1"/>
+              <a:t>RepCut</a:t>
+            </a:r>
+            <a:endParaRPr lang="en-US" dirty="0"/>
+          </a:p>
+        </p:txBody>
+      </p:sp>
+    </p:spTree>
+    <p:extLst>
+      <p:ext uri="{BB962C8B-B14F-4D97-AF65-F5344CB8AC3E}">
+        <p14:creationId xmlns:p14="http://schemas.microsoft.com/office/powerpoint/2010/main" val="2415468591"/>
+      </p:ext>
+    </p:extLst>
+  </p:cSld>
+  <p:clrMapOvr>
+    <a:masterClrMapping/>
+  </p:clrMapOvr>
+</p:sld>
+</file>
+
+<file path=ppt/slides/slide9.xml><?xml version="1.0" encoding="utf-8"?>
 <p:sld xmlns:a="http://schemas.openxmlformats.org/drawingml/2006/main" xmlns:r="http://schemas.openxmlformats.org/officeDocument/2006/relationships" xmlns:p="http://schemas.openxmlformats.org/presentationml/2006/main">
   <p:cSld>
     <p:spTree>
@@ -16809,92 +18285,6 @@
     <p:extLst>
       <p:ext uri="{BB962C8B-B14F-4D97-AF65-F5344CB8AC3E}">
         <p14:creationId xmlns:p14="http://schemas.microsoft.com/office/powerpoint/2010/main" val="278288168"/>
-      </p:ext>
-    </p:extLst>
-  </p:cSld>
-  <p:clrMapOvr>
-    <a:masterClrMapping/>
-  </p:clrMapOvr>
-</p:sld>
-</file>
-
-<file path=ppt/slides/slide9.xml><?xml version="1.0" encoding="utf-8"?>
-<p:sld xmlns:a="http://schemas.openxmlformats.org/drawingml/2006/main" xmlns:r="http://schemas.openxmlformats.org/officeDocument/2006/relationships" xmlns:p="http://schemas.openxmlformats.org/presentationml/2006/main">
-  <p:cSld>
-    <p:spTree>
-      <p:nvGrpSpPr>
-        <p:cNvPr id="1" name=""/>
-        <p:cNvGrpSpPr/>
-        <p:nvPr/>
-      </p:nvGrpSpPr>
-      <p:grpSpPr>
-        <a:xfrm>
-          <a:off x="0" y="0"/>
-          <a:ext cx="0" cy="0"/>
-          <a:chOff x="0" y="0"/>
-          <a:chExt cx="0" cy="0"/>
-        </a:xfrm>
-      </p:grpSpPr>
-      <p:sp>
-        <p:nvSpPr>
-          <p:cNvPr id="5" name="Title 4">
-            <a:extLst>
-              <a:ext uri="{FF2B5EF4-FFF2-40B4-BE49-F238E27FC236}">
-                <a16:creationId xmlns:a16="http://schemas.microsoft.com/office/drawing/2014/main" id="{D3A56F95-D18D-372D-13EF-CA07355908C5}"/>
-              </a:ext>
-            </a:extLst>
-          </p:cNvPr>
-          <p:cNvSpPr>
-            <a:spLocks noGrp="1"/>
-          </p:cNvSpPr>
-          <p:nvPr>
-            <p:ph type="title"/>
-          </p:nvPr>
-        </p:nvSpPr>
-        <p:spPr/>
-        <p:txBody>
-          <a:bodyPr/>
-          <a:lstStyle/>
-          <a:p>
-            <a:endParaRPr lang="en-US"/>
-          </a:p>
-        </p:txBody>
-      </p:sp>
-      <p:graphicFrame>
-        <p:nvGraphicFramePr>
-          <p:cNvPr id="4" name="Chart Placeholder 3" descr="Simple vertical bar chart example">
-            <a:extLst>
-              <a:ext uri="{FF2B5EF4-FFF2-40B4-BE49-F238E27FC236}">
-                <a16:creationId xmlns:a16="http://schemas.microsoft.com/office/drawing/2014/main" id="{526E1E11-14EC-9F4A-8927-84E1572F7B82}"/>
-              </a:ext>
-            </a:extLst>
-          </p:cNvPr>
-          <p:cNvGraphicFramePr>
-            <a:graphicFrameLocks noGrp="1"/>
-          </p:cNvGraphicFramePr>
-          <p:nvPr>
-            <p:ph type="chart" sz="quarter" idx="13"/>
-            <p:extLst>
-              <p:ext uri="{D42A27DB-BD31-4B8C-83A1-F6EECF244321}">
-                <p14:modId xmlns:p14="http://schemas.microsoft.com/office/powerpoint/2010/main" val="2430234678"/>
-              </p:ext>
-            </p:extLst>
-          </p:nvPr>
-        </p:nvGraphicFramePr>
-        <p:xfrm>
-          <a:off x="1883227" y="1676871"/>
-          <a:ext cx="7747661" cy="4359275"/>
-        </p:xfrm>
-        <a:graphic>
-          <a:graphicData uri="http://schemas.openxmlformats.org/drawingml/2006/chart">
-            <c:chart xmlns:c="http://schemas.openxmlformats.org/drawingml/2006/chart" xmlns:r="http://schemas.openxmlformats.org/officeDocument/2006/relationships" r:id="rId3"/>
-          </a:graphicData>
-        </a:graphic>
-      </p:graphicFrame>
-    </p:spTree>
-    <p:extLst>
-      <p:ext uri="{BB962C8B-B14F-4D97-AF65-F5344CB8AC3E}">
-        <p14:creationId xmlns:p14="http://schemas.microsoft.com/office/powerpoint/2010/main" val="857588750"/>
       </p:ext>
     </p:extLst>
   </p:cSld>

--- a/RepCut/RepCut.pptx
+++ b/RepCut/RepCut.pptx
@@ -5,7 +5,7 @@
     <p:sldMasterId id="2147483660" r:id="rId1"/>
   </p:sldMasterIdLst>
   <p:notesMasterIdLst>
-    <p:notesMasterId r:id="rId15"/>
+    <p:notesMasterId r:id="rId16"/>
   </p:notesMasterIdLst>
   <p:sldIdLst>
     <p:sldId id="264" r:id="rId2"/>
@@ -16,11 +16,12 @@
     <p:sldId id="270" r:id="rId7"/>
     <p:sldId id="271" r:id="rId8"/>
     <p:sldId id="272" r:id="rId9"/>
-    <p:sldId id="277" r:id="rId10"/>
-    <p:sldId id="275" r:id="rId11"/>
-    <p:sldId id="274" r:id="rId12"/>
-    <p:sldId id="276" r:id="rId13"/>
-    <p:sldId id="267" r:id="rId14"/>
+    <p:sldId id="278" r:id="rId10"/>
+    <p:sldId id="277" r:id="rId11"/>
+    <p:sldId id="275" r:id="rId12"/>
+    <p:sldId id="274" r:id="rId13"/>
+    <p:sldId id="276" r:id="rId14"/>
+    <p:sldId id="267" r:id="rId15"/>
   </p:sldIdLst>
   <p:sldSz cx="12192000" cy="6858000"/>
   <p:notesSz cx="6858000" cy="9144000"/>
@@ -209,7 +210,7 @@
           <a:p>
             <a:fld id="{EEE03F8B-A50D-DE44-9304-39C43FB3C5B0}" type="datetimeFigureOut">
               <a:rPr lang="en-US" smtClean="0"/>
-              <a:t>3/20/24</a:t>
+              <a:t>3/23/24</a:t>
             </a:fld>
             <a:endParaRPr lang="en-US"/>
           </a:p>
@@ -604,6 +605,74 @@
           <a:bodyPr/>
           <a:lstStyle/>
           <a:p>
+            <a:r>
+              <a:rPr lang="en-US" dirty="0"/>
+              <a:t>Now, let’s dive into an example of how </a:t>
+            </a:r>
+            <a:r>
+              <a:rPr lang="en-US" dirty="0" err="1"/>
+              <a:t>RepCut</a:t>
+            </a:r>
+            <a:r>
+              <a:rPr lang="en-US" dirty="0"/>
+              <a:t> performs its partitioning method to a TDG.</a:t>
+            </a:r>
+          </a:p>
+          <a:p>
+            <a:r>
+              <a:rPr lang="en-US" dirty="0"/>
+              <a:t>Again, the input of a partitioning method for TDG, is a fine-grained TDG. As is shown in the left most figure A here, each task represents the simulation task of a register or logic gate and each edge represents their connections. </a:t>
+            </a:r>
+          </a:p>
+          <a:p>
+            <a:r>
+              <a:rPr lang="en-US" dirty="0"/>
+              <a:t>The output of a partitioning method for TDG, is a coarsened TDG. As is shown in the right most figure D here. Through </a:t>
+            </a:r>
+            <a:r>
+              <a:rPr lang="en-US" dirty="0" err="1"/>
+              <a:t>RepCut</a:t>
+            </a:r>
+            <a:r>
+              <a:rPr lang="en-US" dirty="0"/>
+              <a:t>, we have divided the TDG into 2 partitions. </a:t>
+            </a:r>
+          </a:p>
+          <a:p>
+            <a:r>
+              <a:rPr lang="en-US" dirty="0"/>
+              <a:t>All the tasks in the left are included in partition 1 and all the tasks in the right are included in partition 2.</a:t>
+            </a:r>
+          </a:p>
+          <a:p>
+            <a:r>
+              <a:rPr lang="en-US" dirty="0" err="1"/>
+              <a:t>RepCut’s</a:t>
+            </a:r>
+            <a:r>
+              <a:rPr lang="en-US" dirty="0"/>
+              <a:t> partitioning method contains 4 steps, which are shown in the below figures from left to right.</a:t>
+            </a:r>
+          </a:p>
+          <a:p>
+            <a:r>
+              <a:rPr lang="en-US" dirty="0"/>
+              <a:t>We first build the so-called cones in the graph. Then we cluster the graph according to the cones we built.</a:t>
+            </a:r>
+          </a:p>
+          <a:p>
+            <a:r>
+              <a:rPr lang="en-US" dirty="0"/>
+              <a:t>Then we build a hypergraph according to the clusters and called a hypergraph partitioner to partition it. </a:t>
+            </a:r>
+          </a:p>
+          <a:p>
+            <a:r>
+              <a:rPr lang="en-US" dirty="0"/>
+              <a:t>Finally, we acquired our desired partitions from the hypergraph partitioning results.</a:t>
+            </a:r>
+          </a:p>
+          <a:p>
             <a:endParaRPr lang="en-US" dirty="0"/>
           </a:p>
         </p:txBody>
@@ -634,7 +703,7 @@
     </p:spTree>
     <p:extLst>
       <p:ext uri="{BB962C8B-B14F-4D97-AF65-F5344CB8AC3E}">
-        <p14:creationId xmlns:p14="http://schemas.microsoft.com/office/powerpoint/2010/main" val="1875740786"/>
+        <p14:creationId xmlns:p14="http://schemas.microsoft.com/office/powerpoint/2010/main" val="2877743917"/>
       </p:ext>
     </p:extLst>
   </p:cSld>
@@ -718,7 +787,7 @@
     </p:spTree>
     <p:extLst>
       <p:ext uri="{BB962C8B-B14F-4D97-AF65-F5344CB8AC3E}">
-        <p14:creationId xmlns:p14="http://schemas.microsoft.com/office/powerpoint/2010/main" val="2629043805"/>
+        <p14:creationId xmlns:p14="http://schemas.microsoft.com/office/powerpoint/2010/main" val="1875740786"/>
       </p:ext>
     </p:extLst>
   </p:cSld>
@@ -802,7 +871,7 @@
     </p:spTree>
     <p:extLst>
       <p:ext uri="{BB962C8B-B14F-4D97-AF65-F5344CB8AC3E}">
-        <p14:creationId xmlns:p14="http://schemas.microsoft.com/office/powerpoint/2010/main" val="3155817480"/>
+        <p14:creationId xmlns:p14="http://schemas.microsoft.com/office/powerpoint/2010/main" val="2629043805"/>
       </p:ext>
     </p:extLst>
   </p:cSld>
@@ -878,6 +947,90 @@
             <a:fld id="{58151AFC-CD2E-5241-A5F6-3092FE7745F8}" type="slidenum">
               <a:rPr lang="en-US" smtClean="0"/>
               <a:t>13</a:t>
+            </a:fld>
+            <a:endParaRPr lang="en-US"/>
+          </a:p>
+        </p:txBody>
+      </p:sp>
+    </p:spTree>
+    <p:extLst>
+      <p:ext uri="{BB962C8B-B14F-4D97-AF65-F5344CB8AC3E}">
+        <p14:creationId xmlns:p14="http://schemas.microsoft.com/office/powerpoint/2010/main" val="3155817480"/>
+      </p:ext>
+    </p:extLst>
+  </p:cSld>
+  <p:clrMapOvr>
+    <a:masterClrMapping/>
+  </p:clrMapOvr>
+</p:notes>
+</file>
+
+<file path=ppt/notesSlides/notesSlide14.xml><?xml version="1.0" encoding="utf-8"?>
+<p:notes xmlns:a="http://schemas.openxmlformats.org/drawingml/2006/main" xmlns:r="http://schemas.openxmlformats.org/officeDocument/2006/relationships" xmlns:p="http://schemas.openxmlformats.org/presentationml/2006/main">
+  <p:cSld>
+    <p:spTree>
+      <p:nvGrpSpPr>
+        <p:cNvPr id="1" name=""/>
+        <p:cNvGrpSpPr/>
+        <p:nvPr/>
+      </p:nvGrpSpPr>
+      <p:grpSpPr>
+        <a:xfrm>
+          <a:off x="0" y="0"/>
+          <a:ext cx="0" cy="0"/>
+          <a:chOff x="0" y="0"/>
+          <a:chExt cx="0" cy="0"/>
+        </a:xfrm>
+      </p:grpSpPr>
+      <p:sp>
+        <p:nvSpPr>
+          <p:cNvPr id="2" name="Slide Image Placeholder 1"/>
+          <p:cNvSpPr>
+            <a:spLocks noGrp="1" noRot="1" noChangeAspect="1"/>
+          </p:cNvSpPr>
+          <p:nvPr>
+            <p:ph type="sldImg"/>
+          </p:nvPr>
+        </p:nvSpPr>
+        <p:spPr/>
+      </p:sp>
+      <p:sp>
+        <p:nvSpPr>
+          <p:cNvPr id="3" name="Notes Placeholder 2"/>
+          <p:cNvSpPr>
+            <a:spLocks noGrp="1"/>
+          </p:cNvSpPr>
+          <p:nvPr>
+            <p:ph type="body" idx="1"/>
+          </p:nvPr>
+        </p:nvSpPr>
+        <p:spPr/>
+        <p:txBody>
+          <a:bodyPr/>
+          <a:lstStyle/>
+          <a:p>
+            <a:endParaRPr lang="en-US" dirty="0"/>
+          </a:p>
+        </p:txBody>
+      </p:sp>
+      <p:sp>
+        <p:nvSpPr>
+          <p:cNvPr id="4" name="Slide Number Placeholder 3"/>
+          <p:cNvSpPr>
+            <a:spLocks noGrp="1"/>
+          </p:cNvSpPr>
+          <p:nvPr>
+            <p:ph type="sldNum" sz="quarter" idx="5"/>
+          </p:nvPr>
+        </p:nvSpPr>
+        <p:spPr/>
+        <p:txBody>
+          <a:bodyPr/>
+          <a:lstStyle/>
+          <a:p>
+            <a:fld id="{58151AFC-CD2E-5241-A5F6-3092FE7745F8}" type="slidenum">
+              <a:rPr lang="en-US" smtClean="0"/>
+              <a:t>14</a:t>
             </a:fld>
             <a:endParaRPr lang="en-US"/>
           </a:p>
@@ -1782,18 +1935,7 @@
           <a:bodyPr/>
           <a:lstStyle/>
           <a:p>
-            <a:r>
-              <a:rPr lang="en-US" dirty="0"/>
-              <a:t>And in the remaining slides, I will reveal </a:t>
-            </a:r>
-            <a:r>
-              <a:rPr lang="en-US" dirty="0" err="1"/>
-              <a:t>RepCut’s</a:t>
-            </a:r>
-            <a:r>
-              <a:rPr lang="en-US" dirty="0"/>
-              <a:t> magic on how it performs its partitioning by walking through an example in the paper.</a:t>
-            </a:r>
+            <a:endParaRPr lang="en-US" dirty="0"/>
           </a:p>
         </p:txBody>
       </p:sp>
@@ -1877,6 +2019,91 @@
           <a:bodyPr/>
           <a:lstStyle/>
           <a:p>
+            <a:pPr marL="0" marR="0" lvl="0" indent="0" algn="l" defTabSz="914400" rtl="0" eaLnBrk="1" fontAlgn="auto" latinLnBrk="0" hangingPunct="1">
+              <a:lnSpc>
+                <a:spcPct val="100000"/>
+              </a:lnSpc>
+              <a:spcBef>
+                <a:spcPts val="0"/>
+              </a:spcBef>
+              <a:spcAft>
+                <a:spcPts val="0"/>
+              </a:spcAft>
+              <a:buClrTx/>
+              <a:buSzTx/>
+              <a:buFontTx/>
+              <a:buNone/>
+              <a:tabLst/>
+              <a:defRPr/>
+            </a:pPr>
+            <a:r>
+              <a:rPr lang="en-US" dirty="0"/>
+              <a:t>And in the remaining slides, I will reveal </a:t>
+            </a:r>
+            <a:r>
+              <a:rPr lang="en-US" dirty="0" err="1"/>
+              <a:t>RepCut’s</a:t>
+            </a:r>
+            <a:r>
+              <a:rPr lang="en-US" dirty="0"/>
+              <a:t> magic on how it performs its partitioning by walking through an example in the paper.</a:t>
+            </a:r>
+          </a:p>
+          <a:p>
+            <a:pPr marL="0" marR="0" lvl="0" indent="0" algn="l" defTabSz="914400" rtl="0" eaLnBrk="1" fontAlgn="auto" latinLnBrk="0" hangingPunct="1">
+              <a:lnSpc>
+                <a:spcPct val="100000"/>
+              </a:lnSpc>
+              <a:spcBef>
+                <a:spcPts val="0"/>
+              </a:spcBef>
+              <a:spcAft>
+                <a:spcPts val="0"/>
+              </a:spcAft>
+              <a:buClrTx/>
+              <a:buSzTx/>
+              <a:buFontTx/>
+              <a:buNone/>
+              <a:tabLst/>
+              <a:defRPr/>
+            </a:pPr>
+            <a:r>
+              <a:rPr lang="en-US" dirty="0"/>
+              <a:t>I would also talk about how </a:t>
+            </a:r>
+            <a:r>
+              <a:rPr lang="en-US" dirty="0" err="1"/>
+              <a:t>RepCut</a:t>
+            </a:r>
+            <a:r>
+              <a:rPr lang="en-US" dirty="0"/>
+              <a:t> schedule the partitions to the threads to do RTL simulations in parallel.</a:t>
+            </a:r>
+          </a:p>
+          <a:p>
+            <a:pPr marL="0" marR="0" lvl="0" indent="0" algn="l" defTabSz="914400" rtl="0" eaLnBrk="1" fontAlgn="auto" latinLnBrk="0" hangingPunct="1">
+              <a:lnSpc>
+                <a:spcPct val="100000"/>
+              </a:lnSpc>
+              <a:spcBef>
+                <a:spcPts val="0"/>
+              </a:spcBef>
+              <a:spcAft>
+                <a:spcPts val="0"/>
+              </a:spcAft>
+              <a:buClrTx/>
+              <a:buSzTx/>
+              <a:buFontTx/>
+              <a:buNone/>
+              <a:tabLst/>
+              <a:defRPr/>
+            </a:pPr>
+            <a:r>
+              <a:rPr lang="en-US" dirty="0"/>
+              <a:t>Finally, I would present the experimental results.</a:t>
+            </a:r>
+          </a:p>
+          <a:p>
             <a:endParaRPr lang="en-US" dirty="0"/>
           </a:p>
         </p:txBody>
@@ -1907,7 +2134,7 @@
     </p:spTree>
     <p:extLst>
       <p:ext uri="{BB962C8B-B14F-4D97-AF65-F5344CB8AC3E}">
-        <p14:creationId xmlns:p14="http://schemas.microsoft.com/office/powerpoint/2010/main" val="2877743917"/>
+        <p14:creationId xmlns:p14="http://schemas.microsoft.com/office/powerpoint/2010/main" val="771934725"/>
       </p:ext>
     </p:extLst>
   </p:cSld>
@@ -4826,10 +5053,820 @@
               </a:rPr>
               <a:t>RepCut</a:t>
             </a:r>
-            <a:endParaRPr lang="en-US" dirty="0">
-              <a:latin typeface="Times New Roman" panose="02020603050405020304" pitchFamily="18" charset="0"/>
-              <a:cs typeface="Times New Roman" panose="02020603050405020304" pitchFamily="18" charset="0"/>
-            </a:endParaRPr>
+            <a:r>
+              <a:rPr lang="en-US" dirty="0">
+                <a:latin typeface="Times New Roman" panose="02020603050405020304" pitchFamily="18" charset="0"/>
+                <a:cs typeface="Times New Roman" panose="02020603050405020304" pitchFamily="18" charset="0"/>
+              </a:rPr>
+              <a:t> – An example</a:t>
+            </a:r>
+          </a:p>
+        </p:txBody>
+      </p:sp>
+      <mc:AlternateContent xmlns:mc="http://schemas.openxmlformats.org/markup-compatibility/2006">
+        <mc:Choice xmlns:a14="http://schemas.microsoft.com/office/drawing/2010/main" Requires="a14">
+          <p:sp>
+            <p:nvSpPr>
+              <p:cNvPr id="3" name="Content Placeholder 2">
+                <a:extLst>
+                  <a:ext uri="{FF2B5EF4-FFF2-40B4-BE49-F238E27FC236}">
+                    <a16:creationId xmlns:a16="http://schemas.microsoft.com/office/drawing/2014/main" id="{12A98574-9742-9B47-94FA-808EF6C372CE}"/>
+                  </a:ext>
+                </a:extLst>
+              </p:cNvPr>
+              <p:cNvSpPr>
+                <a:spLocks noGrp="1"/>
+              </p:cNvSpPr>
+              <p:nvPr>
+                <p:ph sz="quarter" idx="13"/>
+              </p:nvPr>
+            </p:nvSpPr>
+            <p:spPr>
+              <a:xfrm>
+                <a:off x="457200" y="1529345"/>
+                <a:ext cx="9829800" cy="3870803"/>
+              </a:xfrm>
+            </p:spPr>
+            <p:txBody>
+              <a:bodyPr/>
+              <a:lstStyle/>
+              <a:p>
+                <a:r>
+                  <a:rPr lang="en-US" dirty="0">
+                    <a:latin typeface="Times New Roman" panose="02020603050405020304" pitchFamily="18" charset="0"/>
+                    <a:cs typeface="Times New Roman" panose="02020603050405020304" pitchFamily="18" charset="0"/>
+                  </a:rPr>
+                  <a:t>Input: A fine-grained TDG.</a:t>
+                </a:r>
+              </a:p>
+              <a:p>
+                <a:r>
+                  <a:rPr lang="en-US" dirty="0">
+                    <a:latin typeface="Times New Roman" panose="02020603050405020304" pitchFamily="18" charset="0"/>
+                    <a:cs typeface="Times New Roman" panose="02020603050405020304" pitchFamily="18" charset="0"/>
+                  </a:rPr>
+                  <a:t>Output: A coarsened TDG.</a:t>
+                </a:r>
+              </a:p>
+              <a:p>
+                <a:pPr marL="0" indent="0">
+                  <a:buNone/>
+                </a:pPr>
+                <a14:m>
+                  <m:oMath xmlns:m="http://schemas.openxmlformats.org/officeDocument/2006/math">
+                    <m:r>
+                      <a:rPr lang="en-US" i="1" smtClean="0">
+                        <a:latin typeface="Cambria Math" panose="02040503050406030204" pitchFamily="18" charset="0"/>
+                        <a:ea typeface="Cambria Math" panose="02040503050406030204" pitchFamily="18" charset="0"/>
+                        <a:cs typeface="Times New Roman" panose="02020603050405020304" pitchFamily="18" charset="0"/>
+                      </a:rPr>
+                      <m:t>→</m:t>
+                    </m:r>
+                  </m:oMath>
+                </a14:m>
+                <a:r>
+                  <a:rPr lang="en-US" dirty="0">
+                    <a:latin typeface="Times New Roman" panose="02020603050405020304" pitchFamily="18" charset="0"/>
+                    <a:cs typeface="Times New Roman" panose="02020603050405020304" pitchFamily="18" charset="0"/>
+                  </a:rPr>
+                  <a:t> Build “cones”.</a:t>
+                </a:r>
+              </a:p>
+              <a:p>
+                <a:pPr marL="0" indent="0">
+                  <a:buNone/>
+                </a:pPr>
+                <a14:m>
+                  <m:oMath xmlns:m="http://schemas.openxmlformats.org/officeDocument/2006/math">
+                    <m:r>
+                      <a:rPr lang="en-US" i="1" smtClean="0">
+                        <a:latin typeface="Cambria Math" panose="02040503050406030204" pitchFamily="18" charset="0"/>
+                        <a:ea typeface="Cambria Math" panose="02040503050406030204" pitchFamily="18" charset="0"/>
+                        <a:cs typeface="Times New Roman" panose="02020603050405020304" pitchFamily="18" charset="0"/>
+                      </a:rPr>
+                      <m:t>→</m:t>
+                    </m:r>
+                  </m:oMath>
+                </a14:m>
+                <a:r>
+                  <a:rPr lang="en-US" dirty="0">
+                    <a:latin typeface="Times New Roman" panose="02020603050405020304" pitchFamily="18" charset="0"/>
+                    <a:cs typeface="Times New Roman" panose="02020603050405020304" pitchFamily="18" charset="0"/>
+                  </a:rPr>
+                  <a:t> Cluster the graph.</a:t>
+                </a:r>
+              </a:p>
+              <a:p>
+                <a:pPr marL="0" indent="0">
+                  <a:buNone/>
+                </a:pPr>
+                <a14:m>
+                  <m:oMath xmlns:m="http://schemas.openxmlformats.org/officeDocument/2006/math">
+                    <m:r>
+                      <a:rPr lang="en-US" i="1" smtClean="0">
+                        <a:latin typeface="Cambria Math" panose="02040503050406030204" pitchFamily="18" charset="0"/>
+                        <a:ea typeface="Cambria Math" panose="02040503050406030204" pitchFamily="18" charset="0"/>
+                        <a:cs typeface="Times New Roman" panose="02020603050405020304" pitchFamily="18" charset="0"/>
+                      </a:rPr>
+                      <m:t>→</m:t>
+                    </m:r>
+                  </m:oMath>
+                </a14:m>
+                <a:r>
+                  <a:rPr lang="en-US" dirty="0">
+                    <a:latin typeface="Times New Roman" panose="02020603050405020304" pitchFamily="18" charset="0"/>
+                    <a:cs typeface="Times New Roman" panose="02020603050405020304" pitchFamily="18" charset="0"/>
+                  </a:rPr>
+                  <a:t> Build hypergraph and partition.</a:t>
+                </a:r>
+              </a:p>
+              <a:p>
+                <a:pPr marL="0" indent="0">
+                  <a:buNone/>
+                </a:pPr>
+                <a14:m>
+                  <m:oMath xmlns:m="http://schemas.openxmlformats.org/officeDocument/2006/math">
+                    <m:r>
+                      <a:rPr lang="en-US" i="1" smtClean="0">
+                        <a:latin typeface="Cambria Math" panose="02040503050406030204" pitchFamily="18" charset="0"/>
+                        <a:ea typeface="Cambria Math" panose="02040503050406030204" pitchFamily="18" charset="0"/>
+                        <a:cs typeface="Times New Roman" panose="02020603050405020304" pitchFamily="18" charset="0"/>
+                      </a:rPr>
+                      <m:t>→</m:t>
+                    </m:r>
+                  </m:oMath>
+                </a14:m>
+                <a:r>
+                  <a:rPr lang="en-US" dirty="0">
+                    <a:latin typeface="Times New Roman" panose="02020603050405020304" pitchFamily="18" charset="0"/>
+                    <a:cs typeface="Times New Roman" panose="02020603050405020304" pitchFamily="18" charset="0"/>
+                  </a:rPr>
+                  <a:t> Acquire partitions.</a:t>
+                </a:r>
+              </a:p>
+              <a:p>
+                <a:pPr marL="0" indent="0">
+                  <a:buNone/>
+                </a:pPr>
+                <a:endParaRPr lang="en-US" dirty="0">
+                  <a:latin typeface="Times New Roman" panose="02020603050405020304" pitchFamily="18" charset="0"/>
+                  <a:cs typeface="Times New Roman" panose="02020603050405020304" pitchFamily="18" charset="0"/>
+                </a:endParaRPr>
+              </a:p>
+              <a:p>
+                <a:pPr marL="0" indent="0">
+                  <a:buNone/>
+                </a:pPr>
+                <a:endParaRPr lang="en-US" dirty="0">
+                  <a:latin typeface="Times New Roman" panose="02020603050405020304" pitchFamily="18" charset="0"/>
+                  <a:cs typeface="Times New Roman" panose="02020603050405020304" pitchFamily="18" charset="0"/>
+                </a:endParaRPr>
+              </a:p>
+            </p:txBody>
+          </p:sp>
+        </mc:Choice>
+        <mc:Fallback>
+          <p:sp>
+            <p:nvSpPr>
+              <p:cNvPr id="3" name="Content Placeholder 2">
+                <a:extLst>
+                  <a:ext uri="{FF2B5EF4-FFF2-40B4-BE49-F238E27FC236}">
+                    <a16:creationId xmlns:a16="http://schemas.microsoft.com/office/drawing/2014/main" id="{12A98574-9742-9B47-94FA-808EF6C372CE}"/>
+                  </a:ext>
+                </a:extLst>
+              </p:cNvPr>
+              <p:cNvSpPr>
+                <a:spLocks noGrp="1" noRot="1" noChangeAspect="1" noMove="1" noResize="1" noEditPoints="1" noAdjustHandles="1" noChangeArrowheads="1" noChangeShapeType="1" noTextEdit="1"/>
+              </p:cNvSpPr>
+              <p:nvPr>
+                <p:ph sz="quarter" idx="13"/>
+              </p:nvPr>
+            </p:nvSpPr>
+            <p:spPr>
+              <a:xfrm>
+                <a:off x="457200" y="1529345"/>
+                <a:ext cx="9829800" cy="3870803"/>
+              </a:xfrm>
+              <a:blipFill>
+                <a:blip r:embed="rId3"/>
+                <a:stretch>
+                  <a:fillRect l="-1935" t="-2614"/>
+                </a:stretch>
+              </a:blipFill>
+            </p:spPr>
+            <p:txBody>
+              <a:bodyPr/>
+              <a:lstStyle/>
+              <a:p>
+                <a:r>
+                  <a:rPr lang="en-US">
+                    <a:noFill/>
+                  </a:rPr>
+                  <a:t> </a:t>
+                </a:r>
+              </a:p>
+            </p:txBody>
+          </p:sp>
+        </mc:Fallback>
+      </mc:AlternateContent>
+      <p:pic>
+        <p:nvPicPr>
+          <p:cNvPr id="2" name="Picture 1">
+            <a:extLst>
+              <a:ext uri="{FF2B5EF4-FFF2-40B4-BE49-F238E27FC236}">
+                <a16:creationId xmlns:a16="http://schemas.microsoft.com/office/drawing/2014/main" id="{5C92EDEA-5146-6012-34B6-CE022CC9705C}"/>
+              </a:ext>
+            </a:extLst>
+          </p:cNvPr>
+          <p:cNvPicPr>
+            <a:picLocks noChangeAspect="1"/>
+          </p:cNvPicPr>
+          <p:nvPr/>
+        </p:nvPicPr>
+        <p:blipFill>
+          <a:blip r:embed="rId4"/>
+          <a:stretch>
+            <a:fillRect/>
+          </a:stretch>
+        </p:blipFill>
+        <p:spPr>
+          <a:xfrm>
+            <a:off x="0" y="4488367"/>
+            <a:ext cx="11432019" cy="2141048"/>
+          </a:xfrm>
+          <a:prstGeom prst="rect">
+            <a:avLst/>
+          </a:prstGeom>
+        </p:spPr>
+      </p:pic>
+      <p:sp>
+        <p:nvSpPr>
+          <p:cNvPr id="5" name="Freeform 4">
+            <a:extLst>
+              <a:ext uri="{FF2B5EF4-FFF2-40B4-BE49-F238E27FC236}">
+                <a16:creationId xmlns:a16="http://schemas.microsoft.com/office/drawing/2014/main" id="{4BD66B6E-1808-9D8A-CA62-D96D2A1288FC}"/>
+              </a:ext>
+            </a:extLst>
+          </p:cNvPr>
+          <p:cNvSpPr/>
+          <p:nvPr/>
+        </p:nvSpPr>
+        <p:spPr>
+          <a:xfrm>
+            <a:off x="8412044" y="4624288"/>
+            <a:ext cx="2031421" cy="1552312"/>
+          </a:xfrm>
+          <a:custGeom>
+            <a:avLst/>
+            <a:gdLst>
+              <a:gd name="connsiteX0" fmla="*/ 78813 w 2031421"/>
+              <a:gd name="connsiteY0" fmla="*/ 78341 h 1552312"/>
+              <a:gd name="connsiteX1" fmla="*/ 921961 w 2031421"/>
+              <a:gd name="connsiteY1" fmla="*/ 54590 h 1552312"/>
+              <a:gd name="connsiteX2" fmla="*/ 1373224 w 2031421"/>
+              <a:gd name="connsiteY2" fmla="*/ 66465 h 1552312"/>
+              <a:gd name="connsiteX3" fmla="*/ 1978865 w 2031421"/>
+              <a:gd name="connsiteY3" fmla="*/ 125842 h 1552312"/>
+              <a:gd name="connsiteX4" fmla="*/ 1931364 w 2031421"/>
+              <a:gd name="connsiteY4" fmla="*/ 470226 h 1552312"/>
+              <a:gd name="connsiteX5" fmla="*/ 1373224 w 2031421"/>
+              <a:gd name="connsiteY5" fmla="*/ 1420252 h 1552312"/>
+              <a:gd name="connsiteX6" fmla="*/ 233192 w 2031421"/>
+              <a:gd name="connsiteY6" fmla="*/ 1503380 h 1552312"/>
+              <a:gd name="connsiteX7" fmla="*/ 55062 w 2031421"/>
+              <a:gd name="connsiteY7" fmla="*/ 1028367 h 1552312"/>
+              <a:gd name="connsiteX8" fmla="*/ 78813 w 2031421"/>
+              <a:gd name="connsiteY8" fmla="*/ 78341 h 1552312"/>
+            </a:gdLst>
+            <a:ahLst/>
+            <a:cxnLst>
+              <a:cxn ang="0">
+                <a:pos x="connsiteX0" y="connsiteY0"/>
+              </a:cxn>
+              <a:cxn ang="0">
+                <a:pos x="connsiteX1" y="connsiteY1"/>
+              </a:cxn>
+              <a:cxn ang="0">
+                <a:pos x="connsiteX2" y="connsiteY2"/>
+              </a:cxn>
+              <a:cxn ang="0">
+                <a:pos x="connsiteX3" y="connsiteY3"/>
+              </a:cxn>
+              <a:cxn ang="0">
+                <a:pos x="connsiteX4" y="connsiteY4"/>
+              </a:cxn>
+              <a:cxn ang="0">
+                <a:pos x="connsiteX5" y="connsiteY5"/>
+              </a:cxn>
+              <a:cxn ang="0">
+                <a:pos x="connsiteX6" y="connsiteY6"/>
+              </a:cxn>
+              <a:cxn ang="0">
+                <a:pos x="connsiteX7" y="connsiteY7"/>
+              </a:cxn>
+              <a:cxn ang="0">
+                <a:pos x="connsiteX8" y="connsiteY8"/>
+              </a:cxn>
+            </a:cxnLst>
+            <a:rect l="l" t="t" r="r" b="b"/>
+            <a:pathLst>
+              <a:path w="2031421" h="1552312">
+                <a:moveTo>
+                  <a:pt x="78813" y="78341"/>
+                </a:moveTo>
+                <a:cubicBezTo>
+                  <a:pt x="223296" y="-83955"/>
+                  <a:pt x="706226" y="56569"/>
+                  <a:pt x="921961" y="54590"/>
+                </a:cubicBezTo>
+                <a:cubicBezTo>
+                  <a:pt x="1137696" y="52611"/>
+                  <a:pt x="1197073" y="54590"/>
+                  <a:pt x="1373224" y="66465"/>
+                </a:cubicBezTo>
+                <a:cubicBezTo>
+                  <a:pt x="1549375" y="78340"/>
+                  <a:pt x="1885842" y="58549"/>
+                  <a:pt x="1978865" y="125842"/>
+                </a:cubicBezTo>
+                <a:cubicBezTo>
+                  <a:pt x="2071888" y="193135"/>
+                  <a:pt x="2032304" y="254491"/>
+                  <a:pt x="1931364" y="470226"/>
+                </a:cubicBezTo>
+                <a:cubicBezTo>
+                  <a:pt x="1830424" y="685961"/>
+                  <a:pt x="1656253" y="1248060"/>
+                  <a:pt x="1373224" y="1420252"/>
+                </a:cubicBezTo>
+                <a:cubicBezTo>
+                  <a:pt x="1090195" y="1592444"/>
+                  <a:pt x="452886" y="1568694"/>
+                  <a:pt x="233192" y="1503380"/>
+                </a:cubicBezTo>
+                <a:cubicBezTo>
+                  <a:pt x="13498" y="1438066"/>
+                  <a:pt x="82771" y="1261915"/>
+                  <a:pt x="55062" y="1028367"/>
+                </a:cubicBezTo>
+                <a:cubicBezTo>
+                  <a:pt x="27353" y="794819"/>
+                  <a:pt x="-65670" y="240637"/>
+                  <a:pt x="78813" y="78341"/>
+                </a:cubicBezTo>
+                <a:close/>
+              </a:path>
+            </a:pathLst>
+          </a:custGeom>
+          <a:noFill/>
+          <a:ln w="19050"/>
+        </p:spPr>
+        <p:style>
+          <a:lnRef idx="2">
+            <a:schemeClr val="accent1">
+              <a:shade val="50000"/>
+            </a:schemeClr>
+          </a:lnRef>
+          <a:fillRef idx="1">
+            <a:schemeClr val="accent1"/>
+          </a:fillRef>
+          <a:effectRef idx="0">
+            <a:schemeClr val="accent1"/>
+          </a:effectRef>
+          <a:fontRef idx="minor">
+            <a:schemeClr val="lt1"/>
+          </a:fontRef>
+        </p:style>
+        <p:txBody>
+          <a:bodyPr rtlCol="0" anchor="ctr"/>
+          <a:lstStyle/>
+          <a:p>
+            <a:pPr algn="ctr"/>
+            <a:endParaRPr lang="en-US"/>
+          </a:p>
+        </p:txBody>
+      </p:sp>
+      <mc:AlternateContent xmlns:mc="http://schemas.openxmlformats.org/markup-compatibility/2006">
+        <mc:Choice xmlns:a14="http://schemas.microsoft.com/office/drawing/2010/main" Requires="a14">
+          <p:sp>
+            <p:nvSpPr>
+              <p:cNvPr id="6" name="TextBox 5">
+                <a:extLst>
+                  <a:ext uri="{FF2B5EF4-FFF2-40B4-BE49-F238E27FC236}">
+                    <a16:creationId xmlns:a16="http://schemas.microsoft.com/office/drawing/2014/main" id="{96131272-83E1-AC4E-4F1B-1DB9854851A5}"/>
+                  </a:ext>
+                </a:extLst>
+              </p:cNvPr>
+              <p:cNvSpPr txBox="1"/>
+              <p:nvPr/>
+            </p:nvSpPr>
+            <p:spPr>
+              <a:xfrm>
+                <a:off x="8488758" y="4319090"/>
+                <a:ext cx="1250983" cy="338554"/>
+              </a:xfrm>
+              <a:prstGeom prst="rect">
+                <a:avLst/>
+              </a:prstGeom>
+              <a:noFill/>
+            </p:spPr>
+            <p:txBody>
+              <a:bodyPr wrap="none" rtlCol="0">
+                <a:spAutoFit/>
+              </a:bodyPr>
+              <a:lstStyle/>
+              <a:p>
+                <a14:m>
+                  <m:oMathPara xmlns:m="http://schemas.openxmlformats.org/officeDocument/2006/math">
+                    <m:oMathParaPr>
+                      <m:jc m:val="centerGroup"/>
+                    </m:oMathParaPr>
+                    <m:oMath xmlns:m="http://schemas.openxmlformats.org/officeDocument/2006/math">
+                      <m:r>
+                        <a:rPr lang="en-US" sz="1600" b="0" i="1" smtClean="0">
+                          <a:solidFill>
+                            <a:srgbClr val="C00000"/>
+                          </a:solidFill>
+                          <a:latin typeface="Cambria Math" panose="02040503050406030204" pitchFamily="18" charset="0"/>
+                        </a:rPr>
+                        <m:t>𝑃𝑎𝑟𝑡𝑖𝑡𝑖𝑜𝑛</m:t>
+                      </m:r>
+                      <m:r>
+                        <a:rPr lang="en-US" sz="1600" b="0" i="1" smtClean="0">
+                          <a:solidFill>
+                            <a:srgbClr val="C00000"/>
+                          </a:solidFill>
+                          <a:latin typeface="Cambria Math" panose="02040503050406030204" pitchFamily="18" charset="0"/>
+                        </a:rPr>
+                        <m:t> 1</m:t>
+                      </m:r>
+                    </m:oMath>
+                  </m:oMathPara>
+                </a14:m>
+                <a:endParaRPr lang="en-US" sz="1600" dirty="0">
+                  <a:solidFill>
+                    <a:srgbClr val="C00000"/>
+                  </a:solidFill>
+                </a:endParaRPr>
+              </a:p>
+            </p:txBody>
+          </p:sp>
+        </mc:Choice>
+        <mc:Fallback>
+          <p:sp>
+            <p:nvSpPr>
+              <p:cNvPr id="6" name="TextBox 5">
+                <a:extLst>
+                  <a:ext uri="{FF2B5EF4-FFF2-40B4-BE49-F238E27FC236}">
+                    <a16:creationId xmlns:a16="http://schemas.microsoft.com/office/drawing/2014/main" id="{96131272-83E1-AC4E-4F1B-1DB9854851A5}"/>
+                  </a:ext>
+                </a:extLst>
+              </p:cNvPr>
+              <p:cNvSpPr txBox="1">
+                <a:spLocks noRot="1" noChangeAspect="1" noMove="1" noResize="1" noEditPoints="1" noAdjustHandles="1" noChangeArrowheads="1" noChangeShapeType="1" noTextEdit="1"/>
+              </p:cNvSpPr>
+              <p:nvPr/>
+            </p:nvSpPr>
+            <p:spPr>
+              <a:xfrm>
+                <a:off x="8488758" y="4319090"/>
+                <a:ext cx="1250983" cy="338554"/>
+              </a:xfrm>
+              <a:prstGeom prst="rect">
+                <a:avLst/>
+              </a:prstGeom>
+              <a:blipFill>
+                <a:blip r:embed="rId5"/>
+                <a:stretch>
+                  <a:fillRect b="-14815"/>
+                </a:stretch>
+              </a:blipFill>
+            </p:spPr>
+            <p:txBody>
+              <a:bodyPr/>
+              <a:lstStyle/>
+              <a:p>
+                <a:r>
+                  <a:rPr lang="en-US">
+                    <a:noFill/>
+                  </a:rPr>
+                  <a:t> </a:t>
+                </a:r>
+              </a:p>
+            </p:txBody>
+          </p:sp>
+        </mc:Fallback>
+      </mc:AlternateContent>
+      <p:sp>
+        <p:nvSpPr>
+          <p:cNvPr id="8" name="Freeform 7">
+            <a:extLst>
+              <a:ext uri="{FF2B5EF4-FFF2-40B4-BE49-F238E27FC236}">
+                <a16:creationId xmlns:a16="http://schemas.microsoft.com/office/drawing/2014/main" id="{DD4E51C6-72FB-81DE-D198-66F9E0B0CAFB}"/>
+              </a:ext>
+            </a:extLst>
+          </p:cNvPr>
+          <p:cNvSpPr/>
+          <p:nvPr/>
+        </p:nvSpPr>
+        <p:spPr>
+          <a:xfrm>
+            <a:off x="10327467" y="4664675"/>
+            <a:ext cx="951046" cy="1535259"/>
+          </a:xfrm>
+          <a:custGeom>
+            <a:avLst/>
+            <a:gdLst>
+              <a:gd name="connsiteX0" fmla="*/ 336575 w 951046"/>
+              <a:gd name="connsiteY0" fmla="*/ 37954 h 1535259"/>
+              <a:gd name="connsiteX1" fmla="*/ 894715 w 951046"/>
+              <a:gd name="connsiteY1" fmla="*/ 85455 h 1535259"/>
+              <a:gd name="connsiteX2" fmla="*/ 918465 w 951046"/>
+              <a:gd name="connsiteY2" fmla="*/ 489216 h 1535259"/>
+              <a:gd name="connsiteX3" fmla="*/ 775962 w 951046"/>
+              <a:gd name="connsiteY3" fmla="*/ 1427367 h 1535259"/>
+              <a:gd name="connsiteX4" fmla="*/ 39691 w 951046"/>
+              <a:gd name="connsiteY4" fmla="*/ 1415491 h 1535259"/>
+              <a:gd name="connsiteX5" fmla="*/ 122819 w 951046"/>
+              <a:gd name="connsiteY5" fmla="*/ 536717 h 1535259"/>
+              <a:gd name="connsiteX6" fmla="*/ 336575 w 951046"/>
+              <a:gd name="connsiteY6" fmla="*/ 37954 h 1535259"/>
+            </a:gdLst>
+            <a:ahLst/>
+            <a:cxnLst>
+              <a:cxn ang="0">
+                <a:pos x="connsiteX0" y="connsiteY0"/>
+              </a:cxn>
+              <a:cxn ang="0">
+                <a:pos x="connsiteX1" y="connsiteY1"/>
+              </a:cxn>
+              <a:cxn ang="0">
+                <a:pos x="connsiteX2" y="connsiteY2"/>
+              </a:cxn>
+              <a:cxn ang="0">
+                <a:pos x="connsiteX3" y="connsiteY3"/>
+              </a:cxn>
+              <a:cxn ang="0">
+                <a:pos x="connsiteX4" y="connsiteY4"/>
+              </a:cxn>
+              <a:cxn ang="0">
+                <a:pos x="connsiteX5" y="connsiteY5"/>
+              </a:cxn>
+              <a:cxn ang="0">
+                <a:pos x="connsiteX6" y="connsiteY6"/>
+              </a:cxn>
+            </a:cxnLst>
+            <a:rect l="l" t="t" r="r" b="b"/>
+            <a:pathLst>
+              <a:path w="951046" h="1535259">
+                <a:moveTo>
+                  <a:pt x="336575" y="37954"/>
+                </a:moveTo>
+                <a:cubicBezTo>
+                  <a:pt x="465224" y="-37256"/>
+                  <a:pt x="797733" y="10245"/>
+                  <a:pt x="894715" y="85455"/>
+                </a:cubicBezTo>
+                <a:cubicBezTo>
+                  <a:pt x="991697" y="160665"/>
+                  <a:pt x="938257" y="265564"/>
+                  <a:pt x="918465" y="489216"/>
+                </a:cubicBezTo>
+                <a:cubicBezTo>
+                  <a:pt x="898673" y="712868"/>
+                  <a:pt x="922424" y="1272988"/>
+                  <a:pt x="775962" y="1427367"/>
+                </a:cubicBezTo>
+                <a:cubicBezTo>
+                  <a:pt x="629500" y="1581746"/>
+                  <a:pt x="148548" y="1563933"/>
+                  <a:pt x="39691" y="1415491"/>
+                </a:cubicBezTo>
+                <a:cubicBezTo>
+                  <a:pt x="-69166" y="1267049"/>
+                  <a:pt x="75318" y="766307"/>
+                  <a:pt x="122819" y="536717"/>
+                </a:cubicBezTo>
+                <a:cubicBezTo>
+                  <a:pt x="170320" y="307128"/>
+                  <a:pt x="207926" y="113164"/>
+                  <a:pt x="336575" y="37954"/>
+                </a:cubicBezTo>
+                <a:close/>
+              </a:path>
+            </a:pathLst>
+          </a:custGeom>
+          <a:noFill/>
+          <a:ln w="19050"/>
+        </p:spPr>
+        <p:style>
+          <a:lnRef idx="2">
+            <a:schemeClr val="accent1">
+              <a:shade val="50000"/>
+            </a:schemeClr>
+          </a:lnRef>
+          <a:fillRef idx="1">
+            <a:schemeClr val="accent1"/>
+          </a:fillRef>
+          <a:effectRef idx="0">
+            <a:schemeClr val="accent1"/>
+          </a:effectRef>
+          <a:fontRef idx="minor">
+            <a:schemeClr val="lt1"/>
+          </a:fontRef>
+        </p:style>
+        <p:txBody>
+          <a:bodyPr rtlCol="0" anchor="ctr"/>
+          <a:lstStyle/>
+          <a:p>
+            <a:pPr algn="ctr"/>
+            <a:endParaRPr lang="en-US"/>
+          </a:p>
+        </p:txBody>
+      </p:sp>
+      <mc:AlternateContent xmlns:mc="http://schemas.openxmlformats.org/markup-compatibility/2006">
+        <mc:Choice xmlns:a14="http://schemas.microsoft.com/office/drawing/2010/main" Requires="a14">
+          <p:sp>
+            <p:nvSpPr>
+              <p:cNvPr id="9" name="TextBox 8">
+                <a:extLst>
+                  <a:ext uri="{FF2B5EF4-FFF2-40B4-BE49-F238E27FC236}">
+                    <a16:creationId xmlns:a16="http://schemas.microsoft.com/office/drawing/2014/main" id="{6D2D9884-E9A9-6A5B-FE55-4FA50ABE4716}"/>
+                  </a:ext>
+                </a:extLst>
+              </p:cNvPr>
+              <p:cNvSpPr txBox="1"/>
+              <p:nvPr/>
+            </p:nvSpPr>
+            <p:spPr>
+              <a:xfrm>
+                <a:off x="10342695" y="4326121"/>
+                <a:ext cx="1250983" cy="338554"/>
+              </a:xfrm>
+              <a:prstGeom prst="rect">
+                <a:avLst/>
+              </a:prstGeom>
+              <a:noFill/>
+            </p:spPr>
+            <p:txBody>
+              <a:bodyPr wrap="none" rtlCol="0">
+                <a:spAutoFit/>
+              </a:bodyPr>
+              <a:lstStyle/>
+              <a:p>
+                <a14:m>
+                  <m:oMathPara xmlns:m="http://schemas.openxmlformats.org/officeDocument/2006/math">
+                    <m:oMathParaPr>
+                      <m:jc m:val="centerGroup"/>
+                    </m:oMathParaPr>
+                    <m:oMath xmlns:m="http://schemas.openxmlformats.org/officeDocument/2006/math">
+                      <m:r>
+                        <a:rPr lang="en-US" sz="1600" b="0" i="1" smtClean="0">
+                          <a:solidFill>
+                            <a:srgbClr val="C00000"/>
+                          </a:solidFill>
+                          <a:latin typeface="Cambria Math" panose="02040503050406030204" pitchFamily="18" charset="0"/>
+                        </a:rPr>
+                        <m:t>𝑃𝑎𝑟𝑡𝑖𝑡𝑖𝑜𝑛</m:t>
+                      </m:r>
+                      <m:r>
+                        <a:rPr lang="en-US" sz="1600" b="0" i="1" smtClean="0">
+                          <a:solidFill>
+                            <a:srgbClr val="C00000"/>
+                          </a:solidFill>
+                          <a:latin typeface="Cambria Math" panose="02040503050406030204" pitchFamily="18" charset="0"/>
+                        </a:rPr>
+                        <m:t> 2</m:t>
+                      </m:r>
+                    </m:oMath>
+                  </m:oMathPara>
+                </a14:m>
+                <a:endParaRPr lang="en-US" sz="1600" dirty="0">
+                  <a:solidFill>
+                    <a:srgbClr val="C00000"/>
+                  </a:solidFill>
+                </a:endParaRPr>
+              </a:p>
+            </p:txBody>
+          </p:sp>
+        </mc:Choice>
+        <mc:Fallback>
+          <p:sp>
+            <p:nvSpPr>
+              <p:cNvPr id="9" name="TextBox 8">
+                <a:extLst>
+                  <a:ext uri="{FF2B5EF4-FFF2-40B4-BE49-F238E27FC236}">
+                    <a16:creationId xmlns:a16="http://schemas.microsoft.com/office/drawing/2014/main" id="{6D2D9884-E9A9-6A5B-FE55-4FA50ABE4716}"/>
+                  </a:ext>
+                </a:extLst>
+              </p:cNvPr>
+              <p:cNvSpPr txBox="1">
+                <a:spLocks noRot="1" noChangeAspect="1" noMove="1" noResize="1" noEditPoints="1" noAdjustHandles="1" noChangeArrowheads="1" noChangeShapeType="1" noTextEdit="1"/>
+              </p:cNvSpPr>
+              <p:nvPr/>
+            </p:nvSpPr>
+            <p:spPr>
+              <a:xfrm>
+                <a:off x="10342695" y="4326121"/>
+                <a:ext cx="1250983" cy="338554"/>
+              </a:xfrm>
+              <a:prstGeom prst="rect">
+                <a:avLst/>
+              </a:prstGeom>
+              <a:blipFill>
+                <a:blip r:embed="rId6"/>
+                <a:stretch>
+                  <a:fillRect b="-14286"/>
+                </a:stretch>
+              </a:blipFill>
+            </p:spPr>
+            <p:txBody>
+              <a:bodyPr/>
+              <a:lstStyle/>
+              <a:p>
+                <a:r>
+                  <a:rPr lang="en-US">
+                    <a:noFill/>
+                  </a:rPr>
+                  <a:t> </a:t>
+                </a:r>
+              </a:p>
+            </p:txBody>
+          </p:sp>
+        </mc:Fallback>
+      </mc:AlternateContent>
+    </p:spTree>
+    <p:extLst>
+      <p:ext uri="{BB962C8B-B14F-4D97-AF65-F5344CB8AC3E}">
+        <p14:creationId xmlns:p14="http://schemas.microsoft.com/office/powerpoint/2010/main" val="1991493575"/>
+      </p:ext>
+    </p:extLst>
+  </p:cSld>
+  <p:clrMapOvr>
+    <a:masterClrMapping/>
+  </p:clrMapOvr>
+</p:sld>
+</file>
+
+<file path=ppt/slides/slide11.xml><?xml version="1.0" encoding="utf-8"?>
+<p:sld xmlns:a="http://schemas.openxmlformats.org/drawingml/2006/main" xmlns:r="http://schemas.openxmlformats.org/officeDocument/2006/relationships" xmlns:p="http://schemas.openxmlformats.org/presentationml/2006/main">
+  <p:cSld>
+    <p:spTree>
+      <p:nvGrpSpPr>
+        <p:cNvPr id="1" name=""/>
+        <p:cNvGrpSpPr/>
+        <p:nvPr/>
+      </p:nvGrpSpPr>
+      <p:grpSpPr>
+        <a:xfrm>
+          <a:off x="0" y="0"/>
+          <a:ext cx="0" cy="0"/>
+          <a:chOff x="0" y="0"/>
+          <a:chExt cx="0" cy="0"/>
+        </a:xfrm>
+      </p:grpSpPr>
+      <p:sp>
+        <p:nvSpPr>
+          <p:cNvPr id="7" name="Title 6">
+            <a:extLst>
+              <a:ext uri="{FF2B5EF4-FFF2-40B4-BE49-F238E27FC236}">
+                <a16:creationId xmlns:a16="http://schemas.microsoft.com/office/drawing/2014/main" id="{0C3C3E93-FDF5-6882-0EB1-7395A3FB3AE6}"/>
+              </a:ext>
+            </a:extLst>
+          </p:cNvPr>
+          <p:cNvSpPr>
+            <a:spLocks noGrp="1"/>
+          </p:cNvSpPr>
+          <p:nvPr>
+            <p:ph type="title"/>
+          </p:nvPr>
+        </p:nvSpPr>
+        <p:spPr/>
+        <p:txBody>
+          <a:bodyPr/>
+          <a:lstStyle/>
+          <a:p>
+            <a:r>
+              <a:rPr lang="en-US" dirty="0">
+                <a:latin typeface="Times New Roman" panose="02020603050405020304" pitchFamily="18" charset="0"/>
+                <a:cs typeface="Times New Roman" panose="02020603050405020304" pitchFamily="18" charset="0"/>
+              </a:rPr>
+              <a:t>Introduction to </a:t>
+            </a:r>
+            <a:r>
+              <a:rPr lang="en-US" dirty="0" err="1">
+                <a:latin typeface="Times New Roman" panose="02020603050405020304" pitchFamily="18" charset="0"/>
+                <a:cs typeface="Times New Roman" panose="02020603050405020304" pitchFamily="18" charset="0"/>
+              </a:rPr>
+              <a:t>RepCut</a:t>
+            </a:r>
+            <a:r>
+              <a:rPr lang="en-US" dirty="0">
+                <a:latin typeface="Times New Roman" panose="02020603050405020304" pitchFamily="18" charset="0"/>
+                <a:cs typeface="Times New Roman" panose="02020603050405020304" pitchFamily="18" charset="0"/>
+              </a:rPr>
+              <a:t> – Build “Cones”</a:t>
+            </a:r>
           </a:p>
         </p:txBody>
       </p:sp>
@@ -4921,7 +5958,7 @@
 </p:sld>
 </file>
 
-<file path=ppt/slides/slide11.xml><?xml version="1.0" encoding="utf-8"?>
+<file path=ppt/slides/slide12.xml><?xml version="1.0" encoding="utf-8"?>
 <p:sld xmlns:a="http://schemas.openxmlformats.org/drawingml/2006/main" xmlns:r="http://schemas.openxmlformats.org/officeDocument/2006/relationships" xmlns:p="http://schemas.openxmlformats.org/presentationml/2006/main">
   <p:cSld>
     <p:spTree>
@@ -6120,7 +7157,7 @@
 </p:sld>
 </file>
 
-<file path=ppt/slides/slide12.xml><?xml version="1.0" encoding="utf-8"?>
+<file path=ppt/slides/slide13.xml><?xml version="1.0" encoding="utf-8"?>
 <p:sld xmlns:a="http://schemas.openxmlformats.org/drawingml/2006/main" xmlns:r="http://schemas.openxmlformats.org/officeDocument/2006/relationships" xmlns:p="http://schemas.openxmlformats.org/presentationml/2006/main">
   <p:cSld>
     <p:spTree>
@@ -6256,7 +7293,7 @@
 </p:sld>
 </file>
 
-<file path=ppt/slides/slide13.xml><?xml version="1.0" encoding="utf-8"?>
+<file path=ppt/slides/slide14.xml><?xml version="1.0" encoding="utf-8"?>
 <p:sld xmlns:a="http://schemas.openxmlformats.org/drawingml/2006/main" xmlns:r="http://schemas.openxmlformats.org/officeDocument/2006/relationships" xmlns:p="http://schemas.openxmlformats.org/presentationml/2006/main">
   <p:cSld>
     <p:spTree>
@@ -7330,8 +8367,8 @@
           </a:p>
         </p:txBody>
       </p:sp>
-      <mc:AlternateContent xmlns:mc="http://schemas.openxmlformats.org/markup-compatibility/2006" xmlns:a14="http://schemas.microsoft.com/office/drawing/2010/main">
-        <mc:Choice Requires="a14">
+      <mc:AlternateContent xmlns:mc="http://schemas.openxmlformats.org/markup-compatibility/2006">
+        <mc:Choice xmlns:a14="http://schemas.microsoft.com/office/drawing/2010/main" Requires="a14">
           <p:sp>
             <p:nvSpPr>
               <p:cNvPr id="3" name="Content Placeholder 2">
@@ -7556,13 +8593,13 @@
                     <a:latin typeface="Times New Roman" panose="02020603050405020304" pitchFamily="18" charset="0"/>
                     <a:cs typeface="Times New Roman" panose="02020603050405020304" pitchFamily="18" charset="0"/>
                   </a:rPr>
-                  <a:t> Partition the TDG.</a:t>
+                  <a:t> Partition the TDG. (Output: A coarsened TDG)</a:t>
                 </a:r>
               </a:p>
             </p:txBody>
           </p:sp>
         </mc:Choice>
-        <mc:Fallback xmlns="">
+        <mc:Fallback>
           <p:sp>
             <p:nvSpPr>
               <p:cNvPr id="3" name="Content Placeholder 2">
@@ -8937,7 +9974,7 @@
         <p:spPr>
           <a:xfrm>
             <a:off x="457200" y="1529345"/>
-            <a:ext cx="9829800" cy="452432"/>
+            <a:ext cx="9829800" cy="1429109"/>
           </a:xfrm>
         </p:spPr>
         <p:txBody>
@@ -8966,42 +10003,30 @@
               <a:t> partitioning.</a:t>
             </a:r>
           </a:p>
+          <a:p>
+            <a:r>
+              <a:rPr lang="en-US" dirty="0">
+                <a:latin typeface="Times New Roman" panose="02020603050405020304" pitchFamily="18" charset="0"/>
+                <a:cs typeface="Times New Roman" panose="02020603050405020304" pitchFamily="18" charset="0"/>
+              </a:rPr>
+              <a:t>Schedule the partitions.</a:t>
+            </a:r>
+          </a:p>
+          <a:p>
+            <a:r>
+              <a:rPr lang="en-US" dirty="0">
+                <a:latin typeface="Times New Roman" panose="02020603050405020304" pitchFamily="18" charset="0"/>
+                <a:cs typeface="Times New Roman" panose="02020603050405020304" pitchFamily="18" charset="0"/>
+              </a:rPr>
+              <a:t>Experimental results.</a:t>
+            </a:r>
+          </a:p>
         </p:txBody>
       </p:sp>
-      <p:pic>
-        <p:nvPicPr>
-          <p:cNvPr id="2" name="Picture 1">
-            <a:extLst>
-              <a:ext uri="{FF2B5EF4-FFF2-40B4-BE49-F238E27FC236}">
-                <a16:creationId xmlns:a16="http://schemas.microsoft.com/office/drawing/2014/main" id="{5C92EDEA-5146-6012-34B6-CE022CC9705C}"/>
-              </a:ext>
-            </a:extLst>
-          </p:cNvPr>
-          <p:cNvPicPr>
-            <a:picLocks noChangeAspect="1"/>
-          </p:cNvPicPr>
-          <p:nvPr/>
-        </p:nvPicPr>
-        <p:blipFill>
-          <a:blip r:embed="rId3"/>
-          <a:stretch>
-            <a:fillRect/>
-          </a:stretch>
-        </p:blipFill>
-        <p:spPr>
-          <a:xfrm>
-            <a:off x="849292" y="2817872"/>
-            <a:ext cx="10107701" cy="1893023"/>
-          </a:xfrm>
-          <a:prstGeom prst="rect">
-            <a:avLst/>
-          </a:prstGeom>
-        </p:spPr>
-      </p:pic>
     </p:spTree>
     <p:extLst>
       <p:ext uri="{BB962C8B-B14F-4D97-AF65-F5344CB8AC3E}">
-        <p14:creationId xmlns:p14="http://schemas.microsoft.com/office/powerpoint/2010/main" val="1991493575"/>
+        <p14:creationId xmlns:p14="http://schemas.microsoft.com/office/powerpoint/2010/main" val="2619099787"/>
       </p:ext>
     </p:extLst>
   </p:cSld>
